--- a/archer/ARCHER-template.pptx
+++ b/archer/ARCHER-template.pptx
@@ -2,15 +2,20 @@
 <file path=ppt/presentation.xml><?xml version="1.0" encoding="utf-8"?>
 <p:presentation xmlns:a="http://schemas.openxmlformats.org/drawingml/2006/main" xmlns:r="http://schemas.openxmlformats.org/officeDocument/2006/relationships" xmlns:p="http://schemas.openxmlformats.org/presentationml/2006/main" saveSubsetFonts="1" autoCompressPictures="0">
   <p:sldMasterIdLst>
-    <p:sldMasterId id="2147483660" r:id="rId1"/>
+    <p:sldMasterId id="2147483777" r:id="rId1"/>
+    <p:sldMasterId id="2147483813" r:id="rId2"/>
   </p:sldMasterIdLst>
   <p:notesMasterIdLst>
-    <p:notesMasterId r:id="rId5"/>
+    <p:notesMasterId r:id="rId7"/>
   </p:notesMasterIdLst>
+  <p:handoutMasterIdLst>
+    <p:handoutMasterId r:id="rId8"/>
+  </p:handoutMasterIdLst>
   <p:sldIdLst>
-    <p:sldId id="256" r:id="rId2"/>
-    <p:sldId id="272" r:id="rId3"/>
-    <p:sldId id="273" r:id="rId4"/>
+    <p:sldId id="256" r:id="rId3"/>
+    <p:sldId id="285" r:id="rId4"/>
+    <p:sldId id="286" r:id="rId5"/>
+    <p:sldId id="295" r:id="rId6"/>
   </p:sldIdLst>
   <p:sldSz cx="9144000" cy="6858000" type="screen4x3"/>
   <p:notesSz cx="6858000" cy="9144000"/>
@@ -109,7 +114,186 @@
       </a:defRPr>
     </a:lvl9pPr>
   </p:defaultTextStyle>
+  <p:extLst>
+    <p:ext uri="{521415D9-36F7-43E2-AB2F-B90AF26B5E84}">
+      <p14:sectionLst xmlns:p14="http://schemas.microsoft.com/office/powerpoint/2010/main">
+        <p14:section name="Default Section" id="{58517275-4EE2-304C-8B3F-8FE6F5CFCCBA}">
+          <p14:sldIdLst>
+            <p14:sldId id="256"/>
+            <p14:sldId id="285"/>
+            <p14:sldId id="286"/>
+            <p14:sldId id="295"/>
+          </p14:sldIdLst>
+        </p14:section>
+      </p14:sectionLst>
+    </p:ext>
+  </p:extLst>
 </p:presentation>
+</file>
+
+<file path=ppt/handoutMasters/handoutMaster1.xml><?xml version="1.0" encoding="utf-8"?>
+<p:handoutMaster xmlns:a="http://schemas.openxmlformats.org/drawingml/2006/main" xmlns:r="http://schemas.openxmlformats.org/officeDocument/2006/relationships" xmlns:p="http://schemas.openxmlformats.org/presentationml/2006/main">
+  <p:cSld>
+    <p:bg>
+      <p:bgRef idx="1001">
+        <a:schemeClr val="bg1"/>
+      </p:bgRef>
+    </p:bg>
+    <p:spTree>
+      <p:nvGrpSpPr>
+        <p:cNvPr id="1" name=""/>
+        <p:cNvGrpSpPr/>
+        <p:nvPr/>
+      </p:nvGrpSpPr>
+      <p:grpSpPr>
+        <a:xfrm>
+          <a:off x="0" y="0"/>
+          <a:ext cx="0" cy="0"/>
+          <a:chOff x="0" y="0"/>
+          <a:chExt cx="0" cy="0"/>
+        </a:xfrm>
+      </p:grpSpPr>
+      <p:sp>
+        <p:nvSpPr>
+          <p:cNvPr id="2" name="Header Placeholder 1"/>
+          <p:cNvSpPr>
+            <a:spLocks noGrp="1"/>
+          </p:cNvSpPr>
+          <p:nvPr>
+            <p:ph type="hdr" sz="quarter"/>
+          </p:nvPr>
+        </p:nvSpPr>
+        <p:spPr>
+          <a:xfrm>
+            <a:off x="0" y="0"/>
+            <a:ext cx="2971800" cy="457200"/>
+          </a:xfrm>
+          <a:prstGeom prst="rect">
+            <a:avLst/>
+          </a:prstGeom>
+        </p:spPr>
+        <p:txBody>
+          <a:bodyPr vert="horz" lIns="91440" tIns="45720" rIns="91440" bIns="45720" rtlCol="0"/>
+          <a:lstStyle>
+            <a:lvl1pPr algn="l">
+              <a:defRPr sz="1200"/>
+            </a:lvl1pPr>
+          </a:lstStyle>
+          <a:p>
+            <a:endParaRPr lang="en-GB"/>
+          </a:p>
+        </p:txBody>
+      </p:sp>
+      <p:sp>
+        <p:nvSpPr>
+          <p:cNvPr id="3" name="Date Placeholder 2"/>
+          <p:cNvSpPr>
+            <a:spLocks noGrp="1"/>
+          </p:cNvSpPr>
+          <p:nvPr>
+            <p:ph type="dt" sz="quarter" idx="1"/>
+          </p:nvPr>
+        </p:nvSpPr>
+        <p:spPr>
+          <a:xfrm>
+            <a:off x="3884613" y="0"/>
+            <a:ext cx="2971800" cy="457200"/>
+          </a:xfrm>
+          <a:prstGeom prst="rect">
+            <a:avLst/>
+          </a:prstGeom>
+        </p:spPr>
+        <p:txBody>
+          <a:bodyPr vert="horz" lIns="91440" tIns="45720" rIns="91440" bIns="45720" rtlCol="0"/>
+          <a:lstStyle>
+            <a:lvl1pPr algn="r">
+              <a:defRPr sz="1200"/>
+            </a:lvl1pPr>
+          </a:lstStyle>
+          <a:p>
+            <a:fld id="{3724E0C8-CEB3-4512-94BB-DFCE9513899D}" type="datetimeFigureOut">
+              <a:rPr lang="en-GB" smtClean="0"/>
+              <a:t>09/07/2014</a:t>
+            </a:fld>
+            <a:endParaRPr lang="en-GB"/>
+          </a:p>
+        </p:txBody>
+      </p:sp>
+      <p:sp>
+        <p:nvSpPr>
+          <p:cNvPr id="4" name="Footer Placeholder 3"/>
+          <p:cNvSpPr>
+            <a:spLocks noGrp="1"/>
+          </p:cNvSpPr>
+          <p:nvPr>
+            <p:ph type="ftr" sz="quarter" idx="2"/>
+          </p:nvPr>
+        </p:nvSpPr>
+        <p:spPr>
+          <a:xfrm>
+            <a:off x="0" y="8685213"/>
+            <a:ext cx="2971800" cy="457200"/>
+          </a:xfrm>
+          <a:prstGeom prst="rect">
+            <a:avLst/>
+          </a:prstGeom>
+        </p:spPr>
+        <p:txBody>
+          <a:bodyPr vert="horz" lIns="91440" tIns="45720" rIns="91440" bIns="45720" rtlCol="0" anchor="b"/>
+          <a:lstStyle>
+            <a:lvl1pPr algn="l">
+              <a:defRPr sz="1200"/>
+            </a:lvl1pPr>
+          </a:lstStyle>
+          <a:p>
+            <a:endParaRPr lang="en-GB"/>
+          </a:p>
+        </p:txBody>
+      </p:sp>
+      <p:sp>
+        <p:nvSpPr>
+          <p:cNvPr id="5" name="Slide Number Placeholder 4"/>
+          <p:cNvSpPr>
+            <a:spLocks noGrp="1"/>
+          </p:cNvSpPr>
+          <p:nvPr>
+            <p:ph type="sldNum" sz="quarter" idx="3"/>
+          </p:nvPr>
+        </p:nvSpPr>
+        <p:spPr>
+          <a:xfrm>
+            <a:off x="3884613" y="8685213"/>
+            <a:ext cx="2971800" cy="457200"/>
+          </a:xfrm>
+          <a:prstGeom prst="rect">
+            <a:avLst/>
+          </a:prstGeom>
+        </p:spPr>
+        <p:txBody>
+          <a:bodyPr vert="horz" lIns="91440" tIns="45720" rIns="91440" bIns="45720" rtlCol="0" anchor="b"/>
+          <a:lstStyle>
+            <a:lvl1pPr algn="r">
+              <a:defRPr sz="1200"/>
+            </a:lvl1pPr>
+          </a:lstStyle>
+          <a:p>
+            <a:fld id="{6A8C66FB-7548-424E-BE8C-DAF4503AE850}" type="slidenum">
+              <a:rPr lang="en-GB" smtClean="0"/>
+              <a:t>‹#›</a:t>
+            </a:fld>
+            <a:endParaRPr lang="en-GB"/>
+          </a:p>
+        </p:txBody>
+      </p:sp>
+    </p:spTree>
+    <p:extLst>
+      <p:ext uri="{BB962C8B-B14F-4D97-AF65-F5344CB8AC3E}">
+        <p14:creationId xmlns:p14="http://schemas.microsoft.com/office/powerpoint/2010/main" val="2611407173"/>
+      </p:ext>
+    </p:extLst>
+  </p:cSld>
+  <p:clrMap bg1="lt1" tx1="dk1" bg2="lt2" tx2="dk2" accent1="accent1" accent2="accent2" accent3="accent3" accent4="accent4" accent5="accent5" accent6="accent6" hlink="hlink" folHlink="folHlink"/>
+</p:handoutMaster>
 </file>
 
 <file path=ppt/notesMasters/notesMaster1.xml><?xml version="1.0" encoding="utf-8"?>
@@ -192,9 +376,9 @@
             </a:lvl1pPr>
           </a:lstStyle>
           <a:p>
-            <a:fld id="{99532C72-D34E-FE41-B404-95BFEDF5D26E}" type="datetimeFigureOut">
+            <a:fld id="{2FB04699-2E7A-DC4A-A93D-A72983F9537E}" type="datetimeFigureOut">
               <a:rPr lang="en-US" smtClean="0"/>
-              <a:t>3/31/2014</a:t>
+              <a:t>7/9/2014</a:t>
             </a:fld>
             <a:endParaRPr lang="en-US"/>
           </a:p>
@@ -351,7 +535,7 @@
             </a:lvl1pPr>
           </a:lstStyle>
           <a:p>
-            <a:fld id="{C07B952C-7151-6A44-BF3E-D396E01C04A5}" type="slidenum">
+            <a:fld id="{50A9F6C8-3472-C04D-B799-A1C1A6A0CB87}" type="slidenum">
               <a:rPr lang="en-US" smtClean="0"/>
               <a:t>‹#›</a:t>
             </a:fld>
@@ -362,7 +546,7 @@
     </p:spTree>
     <p:extLst>
       <p:ext uri="{BB962C8B-B14F-4D97-AF65-F5344CB8AC3E}">
-        <p14:creationId xmlns:p14="http://schemas.microsoft.com/office/powerpoint/2010/main" val="4231556770"/>
+        <p14:creationId xmlns:p14="http://schemas.microsoft.com/office/powerpoint/2010/main" val="2633995560"/>
       </p:ext>
     </p:extLst>
   </p:cSld>
@@ -462,6 +646,113 @@
 </p:notesMaster>
 </file>
 
+<file path=ppt/notesSlides/notesSlide1.xml><?xml version="1.0" encoding="utf-8"?>
+<p:notes xmlns:a="http://schemas.openxmlformats.org/drawingml/2006/main" xmlns:r="http://schemas.openxmlformats.org/officeDocument/2006/relationships" xmlns:p="http://schemas.openxmlformats.org/presentationml/2006/main">
+  <p:cSld>
+    <p:spTree>
+      <p:nvGrpSpPr>
+        <p:cNvPr id="1" name=""/>
+        <p:cNvGrpSpPr/>
+        <p:nvPr/>
+      </p:nvGrpSpPr>
+      <p:grpSpPr>
+        <a:xfrm>
+          <a:off x="0" y="0"/>
+          <a:ext cx="0" cy="0"/>
+          <a:chOff x="0" y="0"/>
+          <a:chExt cx="0" cy="0"/>
+        </a:xfrm>
+      </p:grpSpPr>
+      <p:sp>
+        <p:nvSpPr>
+          <p:cNvPr id="2" name="Slide Image Placeholder 1"/>
+          <p:cNvSpPr>
+            <a:spLocks noGrp="1" noRot="1" noChangeAspect="1"/>
+          </p:cNvSpPr>
+          <p:nvPr>
+            <p:ph type="sldImg"/>
+          </p:nvPr>
+        </p:nvSpPr>
+        <p:spPr/>
+      </p:sp>
+      <p:sp>
+        <p:nvSpPr>
+          <p:cNvPr id="3" name="Notes Placeholder 2"/>
+          <p:cNvSpPr>
+            <a:spLocks noGrp="1"/>
+          </p:cNvSpPr>
+          <p:nvPr>
+            <p:ph type="body" idx="1"/>
+          </p:nvPr>
+        </p:nvSpPr>
+        <p:spPr/>
+        <p:txBody>
+          <a:bodyPr/>
+          <a:lstStyle/>
+          <a:p>
+            <a:pPr marL="168638" indent="-168638">
+              <a:buFontTx/>
+              <a:buChar char="•"/>
+            </a:pPr>
+            <a:r>
+              <a:rPr lang="en-US" dirty="0" smtClean="0"/>
+              <a:t>Parallel</a:t>
+            </a:r>
+            <a:r>
+              <a:rPr lang="en-US" baseline="0" dirty="0" smtClean="0"/>
+              <a:t> programming skills are now vital to exploit all modern processors</a:t>
+            </a:r>
+          </a:p>
+          <a:p>
+            <a:pPr marL="168638" indent="-168638">
+              <a:buFontTx/>
+              <a:buChar char="•"/>
+            </a:pPr>
+            <a:r>
+              <a:rPr lang="en-US" baseline="0" dirty="0" smtClean="0"/>
+              <a:t>In demand particularly from gaming companies who need to exploit graphics cards (accelerators)</a:t>
+            </a:r>
+            <a:endParaRPr lang="en-US" dirty="0"/>
+          </a:p>
+        </p:txBody>
+      </p:sp>
+      <p:sp>
+        <p:nvSpPr>
+          <p:cNvPr id="4" name="Slide Number Placeholder 3"/>
+          <p:cNvSpPr>
+            <a:spLocks noGrp="1"/>
+          </p:cNvSpPr>
+          <p:nvPr>
+            <p:ph type="sldNum" sz="quarter" idx="10"/>
+          </p:nvPr>
+        </p:nvSpPr>
+        <p:spPr/>
+        <p:txBody>
+          <a:bodyPr/>
+          <a:lstStyle/>
+          <a:p>
+            <a:fld id="{BC4308F6-7504-405D-B1BC-57B75797A76A}" type="slidenum">
+              <a:rPr lang="en-GB" smtClean="0"/>
+              <a:pPr/>
+              <a:t>4</a:t>
+            </a:fld>
+            <a:endParaRPr lang="en-GB"/>
+          </a:p>
+        </p:txBody>
+      </p:sp>
+    </p:spTree>
+    <p:extLst>
+      <p:ext uri="{BB962C8B-B14F-4D97-AF65-F5344CB8AC3E}">
+        <p14:creationId xmlns:p14="http://schemas.microsoft.com/office/powerpoint/2010/main" val="1651282676"/>
+      </p:ext>
+    </p:extLst>
+  </p:cSld>
+  <p:clrMapOvr>
+    <a:masterClrMapping/>
+  </p:clrMapOvr>
+</p:notes>
+</file>
+
 <file path=ppt/slideLayouts/slideLayout1.xml><?xml version="1.0" encoding="utf-8"?>
 <p:sldLayout xmlns:a="http://schemas.openxmlformats.org/drawingml/2006/main" xmlns:r="http://schemas.openxmlformats.org/officeDocument/2006/relationships" xmlns:p="http://schemas.openxmlformats.org/presentationml/2006/main" type="title" preserve="1">
   <p:cSld name="Title Slide">
@@ -491,7 +782,599 @@
         </p:nvSpPr>
         <p:spPr>
           <a:xfrm>
-            <a:off x="654050" y="1170237"/>
+            <a:off x="685800" y="2130425"/>
+            <a:ext cx="7772400" cy="1470025"/>
+          </a:xfrm>
+        </p:spPr>
+        <p:txBody>
+          <a:bodyPr/>
+          <a:lstStyle/>
+          <a:p>
+            <a:r>
+              <a:rPr lang="en-GB" smtClean="0"/>
+              <a:t>Click to edit Master title style</a:t>
+            </a:r>
+            <a:endParaRPr lang="en-US"/>
+          </a:p>
+        </p:txBody>
+      </p:sp>
+      <p:sp>
+        <p:nvSpPr>
+          <p:cNvPr id="3" name="Subtitle 2"/>
+          <p:cNvSpPr>
+            <a:spLocks noGrp="1"/>
+          </p:cNvSpPr>
+          <p:nvPr>
+            <p:ph type="subTitle" idx="1"/>
+          </p:nvPr>
+        </p:nvSpPr>
+        <p:spPr>
+          <a:xfrm>
+            <a:off x="1371600" y="3886200"/>
+            <a:ext cx="6400800" cy="1752600"/>
+          </a:xfrm>
+        </p:spPr>
+        <p:txBody>
+          <a:bodyPr/>
+          <a:lstStyle>
+            <a:lvl1pPr marL="0" indent="0" algn="ctr">
+              <a:buNone/>
+              <a:defRPr>
+                <a:solidFill>
+                  <a:schemeClr val="tx1">
+                    <a:tint val="75000"/>
+                  </a:schemeClr>
+                </a:solidFill>
+              </a:defRPr>
+            </a:lvl1pPr>
+            <a:lvl2pPr marL="457200" indent="0" algn="ctr">
+              <a:buNone/>
+              <a:defRPr>
+                <a:solidFill>
+                  <a:schemeClr val="tx1">
+                    <a:tint val="75000"/>
+                  </a:schemeClr>
+                </a:solidFill>
+              </a:defRPr>
+            </a:lvl2pPr>
+            <a:lvl3pPr marL="914400" indent="0" algn="ctr">
+              <a:buNone/>
+              <a:defRPr>
+                <a:solidFill>
+                  <a:schemeClr val="tx1">
+                    <a:tint val="75000"/>
+                  </a:schemeClr>
+                </a:solidFill>
+              </a:defRPr>
+            </a:lvl3pPr>
+            <a:lvl4pPr marL="1371600" indent="0" algn="ctr">
+              <a:buNone/>
+              <a:defRPr>
+                <a:solidFill>
+                  <a:schemeClr val="tx1">
+                    <a:tint val="75000"/>
+                  </a:schemeClr>
+                </a:solidFill>
+              </a:defRPr>
+            </a:lvl4pPr>
+            <a:lvl5pPr marL="1828800" indent="0" algn="ctr">
+              <a:buNone/>
+              <a:defRPr>
+                <a:solidFill>
+                  <a:schemeClr val="tx1">
+                    <a:tint val="75000"/>
+                  </a:schemeClr>
+                </a:solidFill>
+              </a:defRPr>
+            </a:lvl5pPr>
+            <a:lvl6pPr marL="2286000" indent="0" algn="ctr">
+              <a:buNone/>
+              <a:defRPr>
+                <a:solidFill>
+                  <a:schemeClr val="tx1">
+                    <a:tint val="75000"/>
+                  </a:schemeClr>
+                </a:solidFill>
+              </a:defRPr>
+            </a:lvl6pPr>
+            <a:lvl7pPr marL="2743200" indent="0" algn="ctr">
+              <a:buNone/>
+              <a:defRPr>
+                <a:solidFill>
+                  <a:schemeClr val="tx1">
+                    <a:tint val="75000"/>
+                  </a:schemeClr>
+                </a:solidFill>
+              </a:defRPr>
+            </a:lvl7pPr>
+            <a:lvl8pPr marL="3200400" indent="0" algn="ctr">
+              <a:buNone/>
+              <a:defRPr>
+                <a:solidFill>
+                  <a:schemeClr val="tx1">
+                    <a:tint val="75000"/>
+                  </a:schemeClr>
+                </a:solidFill>
+              </a:defRPr>
+            </a:lvl8pPr>
+            <a:lvl9pPr marL="3657600" indent="0" algn="ctr">
+              <a:buNone/>
+              <a:defRPr>
+                <a:solidFill>
+                  <a:schemeClr val="tx1">
+                    <a:tint val="75000"/>
+                  </a:schemeClr>
+                </a:solidFill>
+              </a:defRPr>
+            </a:lvl9pPr>
+          </a:lstStyle>
+          <a:p>
+            <a:r>
+              <a:rPr lang="en-GB" smtClean="0"/>
+              <a:t>Click to edit Master subtitle style</a:t>
+            </a:r>
+            <a:endParaRPr lang="en-US"/>
+          </a:p>
+        </p:txBody>
+      </p:sp>
+      <p:sp>
+        <p:nvSpPr>
+          <p:cNvPr id="4" name="Date Placeholder 3"/>
+          <p:cNvSpPr>
+            <a:spLocks noGrp="1"/>
+          </p:cNvSpPr>
+          <p:nvPr>
+            <p:ph type="dt" sz="half" idx="10"/>
+          </p:nvPr>
+        </p:nvSpPr>
+        <p:spPr/>
+        <p:txBody>
+          <a:bodyPr/>
+          <a:lstStyle/>
+          <a:p>
+            <a:fld id="{3E8CEB70-C80E-1048-86BD-76ABBAA6B3F4}" type="datetimeFigureOut">
+              <a:rPr lang="en-US" smtClean="0"/>
+              <a:t>7/9/2014</a:t>
+            </a:fld>
+            <a:endParaRPr lang="en-US"/>
+          </a:p>
+        </p:txBody>
+      </p:sp>
+      <p:sp>
+        <p:nvSpPr>
+          <p:cNvPr id="5" name="Footer Placeholder 4"/>
+          <p:cNvSpPr>
+            <a:spLocks noGrp="1"/>
+          </p:cNvSpPr>
+          <p:nvPr>
+            <p:ph type="ftr" sz="quarter" idx="11"/>
+          </p:nvPr>
+        </p:nvSpPr>
+        <p:spPr/>
+        <p:txBody>
+          <a:bodyPr/>
+          <a:lstStyle/>
+          <a:p>
+            <a:endParaRPr lang="en-US"/>
+          </a:p>
+        </p:txBody>
+      </p:sp>
+      <p:sp>
+        <p:nvSpPr>
+          <p:cNvPr id="6" name="Slide Number Placeholder 5"/>
+          <p:cNvSpPr>
+            <a:spLocks noGrp="1"/>
+          </p:cNvSpPr>
+          <p:nvPr>
+            <p:ph type="sldNum" sz="quarter" idx="12"/>
+          </p:nvPr>
+        </p:nvSpPr>
+        <p:spPr/>
+        <p:txBody>
+          <a:bodyPr/>
+          <a:lstStyle/>
+          <a:p>
+            <a:fld id="{4DB67BC3-2D99-4A4D-AE2B-B57B184F6E76}" type="slidenum">
+              <a:rPr lang="en-US" smtClean="0"/>
+              <a:t>‹#›</a:t>
+            </a:fld>
+            <a:endParaRPr lang="en-US"/>
+          </a:p>
+        </p:txBody>
+      </p:sp>
+    </p:spTree>
+    <p:extLst>
+      <p:ext uri="{BB962C8B-B14F-4D97-AF65-F5344CB8AC3E}">
+        <p14:creationId xmlns:p14="http://schemas.microsoft.com/office/powerpoint/2010/main" val="3972827933"/>
+      </p:ext>
+    </p:extLst>
+  </p:cSld>
+  <p:clrMapOvr>
+    <a:masterClrMapping/>
+  </p:clrMapOvr>
+</p:sldLayout>
+</file>
+
+<file path=ppt/slideLayouts/slideLayout10.xml><?xml version="1.0" encoding="utf-8"?>
+<p:sldLayout xmlns:a="http://schemas.openxmlformats.org/drawingml/2006/main" xmlns:r="http://schemas.openxmlformats.org/officeDocument/2006/relationships" xmlns:p="http://schemas.openxmlformats.org/presentationml/2006/main" type="vertTx" preserve="1">
+  <p:cSld name="Title and Vertical Text">
+    <p:spTree>
+      <p:nvGrpSpPr>
+        <p:cNvPr id="1" name=""/>
+        <p:cNvGrpSpPr/>
+        <p:nvPr/>
+      </p:nvGrpSpPr>
+      <p:grpSpPr>
+        <a:xfrm>
+          <a:off x="0" y="0"/>
+          <a:ext cx="0" cy="0"/>
+          <a:chOff x="0" y="0"/>
+          <a:chExt cx="0" cy="0"/>
+        </a:xfrm>
+      </p:grpSpPr>
+      <p:sp>
+        <p:nvSpPr>
+          <p:cNvPr id="2" name="Title 1"/>
+          <p:cNvSpPr>
+            <a:spLocks noGrp="1"/>
+          </p:cNvSpPr>
+          <p:nvPr>
+            <p:ph type="title"/>
+          </p:nvPr>
+        </p:nvSpPr>
+        <p:spPr/>
+        <p:txBody>
+          <a:bodyPr/>
+          <a:lstStyle/>
+          <a:p>
+            <a:r>
+              <a:rPr lang="en-GB" smtClean="0"/>
+              <a:t>Click to edit Master title style</a:t>
+            </a:r>
+            <a:endParaRPr lang="en-US"/>
+          </a:p>
+        </p:txBody>
+      </p:sp>
+      <p:sp>
+        <p:nvSpPr>
+          <p:cNvPr id="3" name="Vertical Text Placeholder 2"/>
+          <p:cNvSpPr>
+            <a:spLocks noGrp="1"/>
+          </p:cNvSpPr>
+          <p:nvPr>
+            <p:ph type="body" orient="vert" idx="1"/>
+          </p:nvPr>
+        </p:nvSpPr>
+        <p:spPr/>
+        <p:txBody>
+          <a:bodyPr vert="eaVert"/>
+          <a:lstStyle/>
+          <a:p>
+            <a:pPr lvl="0"/>
+            <a:r>
+              <a:rPr lang="en-GB" smtClean="0"/>
+              <a:t>Click to edit Master text styles</a:t>
+            </a:r>
+          </a:p>
+          <a:p>
+            <a:pPr lvl="1"/>
+            <a:r>
+              <a:rPr lang="en-GB" smtClean="0"/>
+              <a:t>Second level</a:t>
+            </a:r>
+          </a:p>
+          <a:p>
+            <a:pPr lvl="2"/>
+            <a:r>
+              <a:rPr lang="en-GB" smtClean="0"/>
+              <a:t>Third level</a:t>
+            </a:r>
+          </a:p>
+          <a:p>
+            <a:pPr lvl="3"/>
+            <a:r>
+              <a:rPr lang="en-GB" smtClean="0"/>
+              <a:t>Fourth level</a:t>
+            </a:r>
+          </a:p>
+          <a:p>
+            <a:pPr lvl="4"/>
+            <a:r>
+              <a:rPr lang="en-GB" smtClean="0"/>
+              <a:t>Fifth level</a:t>
+            </a:r>
+            <a:endParaRPr lang="en-US"/>
+          </a:p>
+        </p:txBody>
+      </p:sp>
+      <p:sp>
+        <p:nvSpPr>
+          <p:cNvPr id="4" name="Date Placeholder 3"/>
+          <p:cNvSpPr>
+            <a:spLocks noGrp="1"/>
+          </p:cNvSpPr>
+          <p:nvPr>
+            <p:ph type="dt" sz="half" idx="10"/>
+          </p:nvPr>
+        </p:nvSpPr>
+        <p:spPr/>
+        <p:txBody>
+          <a:bodyPr/>
+          <a:lstStyle/>
+          <a:p>
+            <a:fld id="{3E8CEB70-C80E-1048-86BD-76ABBAA6B3F4}" type="datetimeFigureOut">
+              <a:rPr lang="en-US" smtClean="0"/>
+              <a:t>7/9/2014</a:t>
+            </a:fld>
+            <a:endParaRPr lang="en-US"/>
+          </a:p>
+        </p:txBody>
+      </p:sp>
+      <p:sp>
+        <p:nvSpPr>
+          <p:cNvPr id="5" name="Footer Placeholder 4"/>
+          <p:cNvSpPr>
+            <a:spLocks noGrp="1"/>
+          </p:cNvSpPr>
+          <p:nvPr>
+            <p:ph type="ftr" sz="quarter" idx="11"/>
+          </p:nvPr>
+        </p:nvSpPr>
+        <p:spPr/>
+        <p:txBody>
+          <a:bodyPr/>
+          <a:lstStyle/>
+          <a:p>
+            <a:endParaRPr lang="en-US"/>
+          </a:p>
+        </p:txBody>
+      </p:sp>
+      <p:sp>
+        <p:nvSpPr>
+          <p:cNvPr id="6" name="Slide Number Placeholder 5"/>
+          <p:cNvSpPr>
+            <a:spLocks noGrp="1"/>
+          </p:cNvSpPr>
+          <p:nvPr>
+            <p:ph type="sldNum" sz="quarter" idx="12"/>
+          </p:nvPr>
+        </p:nvSpPr>
+        <p:spPr/>
+        <p:txBody>
+          <a:bodyPr/>
+          <a:lstStyle/>
+          <a:p>
+            <a:fld id="{4DB67BC3-2D99-4A4D-AE2B-B57B184F6E76}" type="slidenum">
+              <a:rPr lang="en-US" smtClean="0"/>
+              <a:t>‹#›</a:t>
+            </a:fld>
+            <a:endParaRPr lang="en-US"/>
+          </a:p>
+        </p:txBody>
+      </p:sp>
+    </p:spTree>
+    <p:extLst>
+      <p:ext uri="{BB962C8B-B14F-4D97-AF65-F5344CB8AC3E}">
+        <p14:creationId xmlns:p14="http://schemas.microsoft.com/office/powerpoint/2010/main" val="865035259"/>
+      </p:ext>
+    </p:extLst>
+  </p:cSld>
+  <p:clrMapOvr>
+    <a:masterClrMapping/>
+  </p:clrMapOvr>
+</p:sldLayout>
+</file>
+
+<file path=ppt/slideLayouts/slideLayout11.xml><?xml version="1.0" encoding="utf-8"?>
+<p:sldLayout xmlns:a="http://schemas.openxmlformats.org/drawingml/2006/main" xmlns:r="http://schemas.openxmlformats.org/officeDocument/2006/relationships" xmlns:p="http://schemas.openxmlformats.org/presentationml/2006/main" type="vertTitleAndTx" preserve="1">
+  <p:cSld name="Vertical Title and Text">
+    <p:spTree>
+      <p:nvGrpSpPr>
+        <p:cNvPr id="1" name=""/>
+        <p:cNvGrpSpPr/>
+        <p:nvPr/>
+      </p:nvGrpSpPr>
+      <p:grpSpPr>
+        <a:xfrm>
+          <a:off x="0" y="0"/>
+          <a:ext cx="0" cy="0"/>
+          <a:chOff x="0" y="0"/>
+          <a:chExt cx="0" cy="0"/>
+        </a:xfrm>
+      </p:grpSpPr>
+      <p:sp>
+        <p:nvSpPr>
+          <p:cNvPr id="2" name="Vertical Title 1"/>
+          <p:cNvSpPr>
+            <a:spLocks noGrp="1"/>
+          </p:cNvSpPr>
+          <p:nvPr>
+            <p:ph type="title" orient="vert"/>
+          </p:nvPr>
+        </p:nvSpPr>
+        <p:spPr>
+          <a:xfrm>
+            <a:off x="6629400" y="274638"/>
+            <a:ext cx="2057400" cy="5851525"/>
+          </a:xfrm>
+        </p:spPr>
+        <p:txBody>
+          <a:bodyPr vert="eaVert"/>
+          <a:lstStyle/>
+          <a:p>
+            <a:r>
+              <a:rPr lang="en-GB" smtClean="0"/>
+              <a:t>Click to edit Master title style</a:t>
+            </a:r>
+            <a:endParaRPr lang="en-US"/>
+          </a:p>
+        </p:txBody>
+      </p:sp>
+      <p:sp>
+        <p:nvSpPr>
+          <p:cNvPr id="3" name="Vertical Text Placeholder 2"/>
+          <p:cNvSpPr>
+            <a:spLocks noGrp="1"/>
+          </p:cNvSpPr>
+          <p:nvPr>
+            <p:ph type="body" orient="vert" idx="1"/>
+          </p:nvPr>
+        </p:nvSpPr>
+        <p:spPr>
+          <a:xfrm>
+            <a:off x="457200" y="274638"/>
+            <a:ext cx="6019800" cy="5851525"/>
+          </a:xfrm>
+        </p:spPr>
+        <p:txBody>
+          <a:bodyPr vert="eaVert"/>
+          <a:lstStyle/>
+          <a:p>
+            <a:pPr lvl="0"/>
+            <a:r>
+              <a:rPr lang="en-GB" smtClean="0"/>
+              <a:t>Click to edit Master text styles</a:t>
+            </a:r>
+          </a:p>
+          <a:p>
+            <a:pPr lvl="1"/>
+            <a:r>
+              <a:rPr lang="en-GB" smtClean="0"/>
+              <a:t>Second level</a:t>
+            </a:r>
+          </a:p>
+          <a:p>
+            <a:pPr lvl="2"/>
+            <a:r>
+              <a:rPr lang="en-GB" smtClean="0"/>
+              <a:t>Third level</a:t>
+            </a:r>
+          </a:p>
+          <a:p>
+            <a:pPr lvl="3"/>
+            <a:r>
+              <a:rPr lang="en-GB" smtClean="0"/>
+              <a:t>Fourth level</a:t>
+            </a:r>
+          </a:p>
+          <a:p>
+            <a:pPr lvl="4"/>
+            <a:r>
+              <a:rPr lang="en-GB" smtClean="0"/>
+              <a:t>Fifth level</a:t>
+            </a:r>
+            <a:endParaRPr lang="en-US"/>
+          </a:p>
+        </p:txBody>
+      </p:sp>
+      <p:sp>
+        <p:nvSpPr>
+          <p:cNvPr id="4" name="Date Placeholder 3"/>
+          <p:cNvSpPr>
+            <a:spLocks noGrp="1"/>
+          </p:cNvSpPr>
+          <p:nvPr>
+            <p:ph type="dt" sz="half" idx="10"/>
+          </p:nvPr>
+        </p:nvSpPr>
+        <p:spPr/>
+        <p:txBody>
+          <a:bodyPr/>
+          <a:lstStyle/>
+          <a:p>
+            <a:fld id="{3E8CEB70-C80E-1048-86BD-76ABBAA6B3F4}" type="datetimeFigureOut">
+              <a:rPr lang="en-US" smtClean="0"/>
+              <a:t>7/9/2014</a:t>
+            </a:fld>
+            <a:endParaRPr lang="en-US"/>
+          </a:p>
+        </p:txBody>
+      </p:sp>
+      <p:sp>
+        <p:nvSpPr>
+          <p:cNvPr id="5" name="Footer Placeholder 4"/>
+          <p:cNvSpPr>
+            <a:spLocks noGrp="1"/>
+          </p:cNvSpPr>
+          <p:nvPr>
+            <p:ph type="ftr" sz="quarter" idx="11"/>
+          </p:nvPr>
+        </p:nvSpPr>
+        <p:spPr/>
+        <p:txBody>
+          <a:bodyPr/>
+          <a:lstStyle/>
+          <a:p>
+            <a:endParaRPr lang="en-US"/>
+          </a:p>
+        </p:txBody>
+      </p:sp>
+      <p:sp>
+        <p:nvSpPr>
+          <p:cNvPr id="6" name="Slide Number Placeholder 5"/>
+          <p:cNvSpPr>
+            <a:spLocks noGrp="1"/>
+          </p:cNvSpPr>
+          <p:nvPr>
+            <p:ph type="sldNum" sz="quarter" idx="12"/>
+          </p:nvPr>
+        </p:nvSpPr>
+        <p:spPr/>
+        <p:txBody>
+          <a:bodyPr/>
+          <a:lstStyle/>
+          <a:p>
+            <a:fld id="{4DB67BC3-2D99-4A4D-AE2B-B57B184F6E76}" type="slidenum">
+              <a:rPr lang="en-US" smtClean="0"/>
+              <a:t>‹#›</a:t>
+            </a:fld>
+            <a:endParaRPr lang="en-US"/>
+          </a:p>
+        </p:txBody>
+      </p:sp>
+    </p:spTree>
+    <p:extLst>
+      <p:ext uri="{BB962C8B-B14F-4D97-AF65-F5344CB8AC3E}">
+        <p14:creationId xmlns:p14="http://schemas.microsoft.com/office/powerpoint/2010/main" val="1685099"/>
+      </p:ext>
+    </p:extLst>
+  </p:cSld>
+  <p:clrMapOvr>
+    <a:masterClrMapping/>
+  </p:clrMapOvr>
+</p:sldLayout>
+</file>
+
+<file path=ppt/slideLayouts/slideLayout12.xml><?xml version="1.0" encoding="utf-8"?>
+<p:sldLayout xmlns:a="http://schemas.openxmlformats.org/drawingml/2006/main" xmlns:r="http://schemas.openxmlformats.org/officeDocument/2006/relationships" xmlns:p="http://schemas.openxmlformats.org/presentationml/2006/main" type="title" preserve="1">
+  <p:cSld name="Title Slide">
+    <p:spTree>
+      <p:nvGrpSpPr>
+        <p:cNvPr id="1" name=""/>
+        <p:cNvGrpSpPr/>
+        <p:nvPr/>
+      </p:nvGrpSpPr>
+      <p:grpSpPr>
+        <a:xfrm>
+          <a:off x="0" y="0"/>
+          <a:ext cx="0" cy="0"/>
+          <a:chOff x="0" y="0"/>
+          <a:chExt cx="0" cy="0"/>
+        </a:xfrm>
+      </p:grpSpPr>
+      <p:sp>
+        <p:nvSpPr>
+          <p:cNvPr id="2" name="Title 1"/>
+          <p:cNvSpPr>
+            <a:spLocks noGrp="1"/>
+          </p:cNvSpPr>
+          <p:nvPr>
+            <p:ph type="ctrTitle"/>
+          </p:nvPr>
+        </p:nvSpPr>
+        <p:spPr>
+          <a:xfrm>
+            <a:off x="682283" y="1150222"/>
             <a:ext cx="7848600" cy="1927225"/>
           </a:xfrm>
         </p:spPr>
@@ -501,7 +1384,7 @@
           </a:bodyPr>
           <a:lstStyle>
             <a:lvl1pPr>
-              <a:defRPr sz="5400" cap="none" normalizeH="0" baseline="0"/>
+              <a:defRPr sz="5400" cap="all" baseline="0"/>
             </a:lvl1pPr>
           </a:lstStyle>
           <a:p>
@@ -525,7 +1408,7 @@
         </p:nvSpPr>
         <p:spPr>
           <a:xfrm>
-            <a:off x="654050" y="3303837"/>
+            <a:off x="682283" y="3283822"/>
             <a:ext cx="6400800" cy="628901"/>
           </a:xfrm>
         </p:spPr>
@@ -641,7 +1524,7 @@
         </p:nvCxnSpPr>
         <p:spPr>
           <a:xfrm>
-            <a:off x="654050" y="3197157"/>
+            <a:off x="682283" y="3177142"/>
             <a:ext cx="7848600" cy="1588"/>
           </a:xfrm>
           <a:prstGeom prst="line">
@@ -670,11 +1553,11 @@
       </p:cxnSp>
       <p:pic>
         <p:nvPicPr>
-          <p:cNvPr id="7" name="Picture 6" descr="epsrclogoweb.jpg"/>
+          <p:cNvPr id="5" name="Picture 4" descr="U:\Docs\logos\swclogo.png"/>
           <p:cNvPicPr>
-            <a:picLocks noChangeAspect="1"/>
+            <a:picLocks noChangeAspect="1" noChangeArrowheads="1"/>
           </p:cNvPicPr>
-          <p:nvPr/>
+          <p:nvPr userDrawn="1"/>
         </p:nvPicPr>
         <p:blipFill>
           <a:blip r:embed="rId2">
@@ -684,78 +1567,37 @@
               </a:ext>
             </a:extLst>
           </a:blip>
+          <a:srcRect/>
           <a:stretch>
             <a:fillRect/>
           </a:stretch>
         </p:blipFill>
-        <p:spPr>
+        <p:spPr bwMode="auto">
           <a:xfrm>
-            <a:off x="370531" y="4858484"/>
-            <a:ext cx="2616232" cy="871434"/>
+            <a:off x="3050017" y="5910021"/>
+            <a:ext cx="3070603" cy="621346"/>
           </a:xfrm>
           <a:prstGeom prst="rect">
             <a:avLst/>
           </a:prstGeom>
-        </p:spPr>
-      </p:pic>
-      <p:pic>
-        <p:nvPicPr>
-          <p:cNvPr id="4" name="Picture 3" descr="nerc-long-logo-200.png"/>
-          <p:cNvPicPr>
-            <a:picLocks noChangeAspect="1"/>
-          </p:cNvPicPr>
-          <p:nvPr userDrawn="1"/>
-        </p:nvPicPr>
-        <p:blipFill>
-          <a:blip r:embed="rId3">
-            <a:extLst>
-              <a:ext uri="{28A0092B-C50C-407E-A947-70E740481C1C}">
-                <a14:useLocalDpi xmlns:a14="http://schemas.microsoft.com/office/drawing/2010/main" val="0"/>
-              </a:ext>
-            </a:extLst>
-          </a:blip>
-          <a:stretch>
-            <a:fillRect/>
-          </a:stretch>
-        </p:blipFill>
-        <p:spPr>
-          <a:xfrm>
-            <a:off x="3302000" y="5019675"/>
-            <a:ext cx="2540000" cy="520700"/>
-          </a:xfrm>
-          <a:prstGeom prst="rect">
-            <a:avLst/>
-          </a:prstGeom>
-        </p:spPr>
-      </p:pic>
-      <p:pic>
-        <p:nvPicPr>
-          <p:cNvPr id="5" name="Picture 4" descr="CRAY-logo.png"/>
-          <p:cNvPicPr>
-            <a:picLocks noChangeAspect="1"/>
-          </p:cNvPicPr>
-          <p:nvPr userDrawn="1"/>
-        </p:nvPicPr>
-        <p:blipFill>
-          <a:blip r:embed="rId4">
-            <a:extLst>
-              <a:ext uri="{28A0092B-C50C-407E-A947-70E740481C1C}">
-                <a14:useLocalDpi xmlns:a14="http://schemas.microsoft.com/office/drawing/2010/main" val="0"/>
-              </a:ext>
-            </a:extLst>
-          </a:blip>
-          <a:stretch>
-            <a:fillRect/>
-          </a:stretch>
-        </p:blipFill>
-        <p:spPr>
-          <a:xfrm>
-            <a:off x="3162186" y="5969000"/>
-            <a:ext cx="2807791" cy="531051"/>
-          </a:xfrm>
-          <a:prstGeom prst="rect">
-            <a:avLst/>
-          </a:prstGeom>
+          <a:solidFill>
+            <a:schemeClr val="bg1"/>
+          </a:solidFill>
+          <a:ln>
+            <a:noFill/>
+          </a:ln>
+          <a:extLst>
+            <a:ext uri="{91240B29-F687-4F45-9708-019B960494DF}">
+              <a14:hiddenLine xmlns:a14="http://schemas.microsoft.com/office/drawing/2010/main" w="9525">
+                <a:solidFill>
+                  <a:srgbClr val="000000"/>
+                </a:solidFill>
+                <a:miter lim="800000"/>
+                <a:headEnd/>
+                <a:tailEnd/>
+              </a14:hiddenLine>
+            </a:ext>
+          </a:extLst>
         </p:spPr>
       </p:pic>
     </p:spTree>
@@ -766,217 +1608,7 @@
 </p:sldLayout>
 </file>
 
-<file path=ppt/slideLayouts/slideLayout10.xml><?xml version="1.0" encoding="utf-8"?>
-<p:sldLayout xmlns:a="http://schemas.openxmlformats.org/drawingml/2006/main" xmlns:r="http://schemas.openxmlformats.org/officeDocument/2006/relationships" xmlns:p="http://schemas.openxmlformats.org/presentationml/2006/main" type="vertTx" preserve="1">
-  <p:cSld name="Title and Vertical Text">
-    <p:spTree>
-      <p:nvGrpSpPr>
-        <p:cNvPr id="1" name=""/>
-        <p:cNvGrpSpPr/>
-        <p:nvPr/>
-      </p:nvGrpSpPr>
-      <p:grpSpPr>
-        <a:xfrm>
-          <a:off x="0" y="0"/>
-          <a:ext cx="0" cy="0"/>
-          <a:chOff x="0" y="0"/>
-          <a:chExt cx="0" cy="0"/>
-        </a:xfrm>
-      </p:grpSpPr>
-      <p:sp>
-        <p:nvSpPr>
-          <p:cNvPr id="2" name="Title 1"/>
-          <p:cNvSpPr>
-            <a:spLocks noGrp="1"/>
-          </p:cNvSpPr>
-          <p:nvPr>
-            <p:ph type="title"/>
-          </p:nvPr>
-        </p:nvSpPr>
-        <p:spPr/>
-        <p:txBody>
-          <a:bodyPr/>
-          <a:lstStyle/>
-          <a:p>
-            <a:r>
-              <a:rPr lang="en-GB" smtClean="0"/>
-              <a:t>Click to edit Master title style</a:t>
-            </a:r>
-            <a:endParaRPr lang="en-US"/>
-          </a:p>
-        </p:txBody>
-      </p:sp>
-      <p:sp>
-        <p:nvSpPr>
-          <p:cNvPr id="3" name="Vertical Text Placeholder 2"/>
-          <p:cNvSpPr>
-            <a:spLocks noGrp="1"/>
-          </p:cNvSpPr>
-          <p:nvPr>
-            <p:ph type="body" orient="vert" idx="1"/>
-          </p:nvPr>
-        </p:nvSpPr>
-        <p:spPr/>
-        <p:txBody>
-          <a:bodyPr vert="eaVert"/>
-          <a:lstStyle/>
-          <a:p>
-            <a:pPr lvl="0"/>
-            <a:r>
-              <a:rPr lang="en-GB" smtClean="0"/>
-              <a:t>Click to edit Master text styles</a:t>
-            </a:r>
-          </a:p>
-          <a:p>
-            <a:pPr lvl="1"/>
-            <a:r>
-              <a:rPr lang="en-GB" smtClean="0"/>
-              <a:t>Second level</a:t>
-            </a:r>
-          </a:p>
-          <a:p>
-            <a:pPr lvl="2"/>
-            <a:r>
-              <a:rPr lang="en-GB" smtClean="0"/>
-              <a:t>Third level</a:t>
-            </a:r>
-          </a:p>
-          <a:p>
-            <a:pPr lvl="3"/>
-            <a:r>
-              <a:rPr lang="en-GB" smtClean="0"/>
-              <a:t>Fourth level</a:t>
-            </a:r>
-          </a:p>
-          <a:p>
-            <a:pPr lvl="4"/>
-            <a:r>
-              <a:rPr lang="en-GB" smtClean="0"/>
-              <a:t>Fifth level</a:t>
-            </a:r>
-            <a:endParaRPr lang="en-US"/>
-          </a:p>
-        </p:txBody>
-      </p:sp>
-    </p:spTree>
-  </p:cSld>
-  <p:clrMapOvr>
-    <a:masterClrMapping/>
-  </p:clrMapOvr>
-</p:sldLayout>
-</file>
-
-<file path=ppt/slideLayouts/slideLayout11.xml><?xml version="1.0" encoding="utf-8"?>
-<p:sldLayout xmlns:a="http://schemas.openxmlformats.org/drawingml/2006/main" xmlns:r="http://schemas.openxmlformats.org/officeDocument/2006/relationships" xmlns:p="http://schemas.openxmlformats.org/presentationml/2006/main" type="vertTitleAndTx" preserve="1">
-  <p:cSld name="Vertical Title and Text">
-    <p:spTree>
-      <p:nvGrpSpPr>
-        <p:cNvPr id="1" name=""/>
-        <p:cNvGrpSpPr/>
-        <p:nvPr/>
-      </p:nvGrpSpPr>
-      <p:grpSpPr>
-        <a:xfrm>
-          <a:off x="0" y="0"/>
-          <a:ext cx="0" cy="0"/>
-          <a:chOff x="0" y="0"/>
-          <a:chExt cx="0" cy="0"/>
-        </a:xfrm>
-      </p:grpSpPr>
-      <p:sp>
-        <p:nvSpPr>
-          <p:cNvPr id="2" name="Vertical Title 1"/>
-          <p:cNvSpPr>
-            <a:spLocks noGrp="1"/>
-          </p:cNvSpPr>
-          <p:nvPr>
-            <p:ph type="title" orient="vert"/>
-          </p:nvPr>
-        </p:nvSpPr>
-        <p:spPr>
-          <a:xfrm>
-            <a:off x="6629400" y="609600"/>
-            <a:ext cx="2057400" cy="5867400"/>
-          </a:xfrm>
-        </p:spPr>
-        <p:txBody>
-          <a:bodyPr vert="eaVert" anchor="b"/>
-          <a:lstStyle/>
-          <a:p>
-            <a:r>
-              <a:rPr lang="en-GB" smtClean="0"/>
-              <a:t>Click to edit Master title style</a:t>
-            </a:r>
-            <a:endParaRPr lang="en-US" dirty="0"/>
-          </a:p>
-        </p:txBody>
-      </p:sp>
-      <p:sp>
-        <p:nvSpPr>
-          <p:cNvPr id="3" name="Vertical Text Placeholder 2"/>
-          <p:cNvSpPr>
-            <a:spLocks noGrp="1"/>
-          </p:cNvSpPr>
-          <p:nvPr>
-            <p:ph type="body" orient="vert" idx="1"/>
-          </p:nvPr>
-        </p:nvSpPr>
-        <p:spPr>
-          <a:xfrm>
-            <a:off x="457200" y="609600"/>
-            <a:ext cx="6019800" cy="5867400"/>
-          </a:xfrm>
-        </p:spPr>
-        <p:txBody>
-          <a:bodyPr vert="eaVert"/>
-          <a:lstStyle/>
-          <a:p>
-            <a:pPr lvl="0"/>
-            <a:r>
-              <a:rPr lang="en-GB" smtClean="0"/>
-              <a:t>Click to edit Master text styles</a:t>
-            </a:r>
-          </a:p>
-          <a:p>
-            <a:pPr lvl="1"/>
-            <a:r>
-              <a:rPr lang="en-GB" smtClean="0"/>
-              <a:t>Second level</a:t>
-            </a:r>
-          </a:p>
-          <a:p>
-            <a:pPr lvl="2"/>
-            <a:r>
-              <a:rPr lang="en-GB" smtClean="0"/>
-              <a:t>Third level</a:t>
-            </a:r>
-          </a:p>
-          <a:p>
-            <a:pPr lvl="3"/>
-            <a:r>
-              <a:rPr lang="en-GB" smtClean="0"/>
-              <a:t>Fourth level</a:t>
-            </a:r>
-          </a:p>
-          <a:p>
-            <a:pPr lvl="4"/>
-            <a:r>
-              <a:rPr lang="en-GB" smtClean="0"/>
-              <a:t>Fifth level</a:t>
-            </a:r>
-            <a:endParaRPr lang="en-US" dirty="0"/>
-          </a:p>
-        </p:txBody>
-      </p:sp>
-    </p:spTree>
-  </p:cSld>
-  <p:clrMapOvr>
-    <a:masterClrMapping/>
-  </p:clrMapOvr>
-</p:sldLayout>
-</file>
-
-<file path=ppt/slideLayouts/slideLayout2.xml><?xml version="1.0" encoding="utf-8"?>
+<file path=ppt/slideLayouts/slideLayout13.xml><?xml version="1.0" encoding="utf-8"?>
 <p:sldLayout xmlns:a="http://schemas.openxmlformats.org/drawingml/2006/main" xmlns:r="http://schemas.openxmlformats.org/officeDocument/2006/relationships" xmlns:p="http://schemas.openxmlformats.org/presentationml/2006/main" type="obj" preserve="1">
   <p:cSld name="Title and Content">
     <p:spTree>
@@ -1068,6 +1700,55 @@
           </a:p>
         </p:txBody>
       </p:sp>
+      <p:pic>
+        <p:nvPicPr>
+          <p:cNvPr id="4" name="Picture 3" descr="U:\Docs\logos\swclogo.png"/>
+          <p:cNvPicPr>
+            <a:picLocks noChangeAspect="1" noChangeArrowheads="1"/>
+          </p:cNvPicPr>
+          <p:nvPr userDrawn="1"/>
+        </p:nvPicPr>
+        <p:blipFill>
+          <a:blip r:embed="rId2">
+            <a:extLst>
+              <a:ext uri="{28A0092B-C50C-407E-A947-70E740481C1C}">
+                <a14:useLocalDpi xmlns:a14="http://schemas.microsoft.com/office/drawing/2010/main" val="0"/>
+              </a:ext>
+            </a:extLst>
+          </a:blip>
+          <a:srcRect/>
+          <a:stretch>
+            <a:fillRect/>
+          </a:stretch>
+        </p:blipFill>
+        <p:spPr bwMode="auto">
+          <a:xfrm>
+            <a:off x="3050017" y="5910021"/>
+            <a:ext cx="3070603" cy="621346"/>
+          </a:xfrm>
+          <a:prstGeom prst="rect">
+            <a:avLst/>
+          </a:prstGeom>
+          <a:solidFill>
+            <a:schemeClr val="bg1"/>
+          </a:solidFill>
+          <a:ln>
+            <a:noFill/>
+          </a:ln>
+          <a:extLst>
+            <a:ext uri="{91240B29-F687-4F45-9708-019B960494DF}">
+              <a14:hiddenLine xmlns:a14="http://schemas.microsoft.com/office/drawing/2010/main" w="9525">
+                <a:solidFill>
+                  <a:srgbClr val="000000"/>
+                </a:solidFill>
+                <a:miter lim="800000"/>
+                <a:headEnd/>
+                <a:tailEnd/>
+              </a14:hiddenLine>
+            </a:ext>
+          </a:extLst>
+        </p:spPr>
+      </p:pic>
     </p:spTree>
   </p:cSld>
   <p:clrMapOvr>
@@ -1076,314 +1757,7 @@
 </p:sldLayout>
 </file>
 
-<file path=ppt/slideLayouts/slideLayout3.xml><?xml version="1.0" encoding="utf-8"?>
-<p:sldLayout xmlns:a="http://schemas.openxmlformats.org/drawingml/2006/main" xmlns:r="http://schemas.openxmlformats.org/officeDocument/2006/relationships" xmlns:p="http://schemas.openxmlformats.org/presentationml/2006/main" type="secHead" preserve="1">
-  <p:cSld name="Section Header">
-    <p:bg>
-      <p:bgRef idx="1001">
-        <a:schemeClr val="bg2"/>
-      </p:bgRef>
-    </p:bg>
-    <p:spTree>
-      <p:nvGrpSpPr>
-        <p:cNvPr id="1" name=""/>
-        <p:cNvGrpSpPr/>
-        <p:nvPr/>
-      </p:nvGrpSpPr>
-      <p:grpSpPr>
-        <a:xfrm>
-          <a:off x="0" y="0"/>
-          <a:ext cx="0" cy="0"/>
-          <a:chOff x="0" y="0"/>
-          <a:chExt cx="0" cy="0"/>
-        </a:xfrm>
-      </p:grpSpPr>
-      <p:sp>
-        <p:nvSpPr>
-          <p:cNvPr id="2" name="Title 1"/>
-          <p:cNvSpPr>
-            <a:spLocks noGrp="1"/>
-          </p:cNvSpPr>
-          <p:nvPr>
-            <p:ph type="title"/>
-          </p:nvPr>
-        </p:nvSpPr>
-        <p:spPr>
-          <a:xfrm>
-            <a:off x="722313" y="2362200"/>
-            <a:ext cx="7772400" cy="2200275"/>
-          </a:xfrm>
-        </p:spPr>
-        <p:txBody>
-          <a:bodyPr anchor="b">
-            <a:normAutofit/>
-          </a:bodyPr>
-          <a:lstStyle>
-            <a:lvl1pPr algn="l">
-              <a:defRPr sz="4800" b="0" cap="all"/>
-            </a:lvl1pPr>
-          </a:lstStyle>
-          <a:p>
-            <a:r>
-              <a:rPr lang="en-GB" smtClean="0"/>
-              <a:t>Click to edit Master title style</a:t>
-            </a:r>
-            <a:endParaRPr lang="en-US" dirty="0"/>
-          </a:p>
-        </p:txBody>
-      </p:sp>
-      <p:sp>
-        <p:nvSpPr>
-          <p:cNvPr id="3" name="Text Placeholder 2"/>
-          <p:cNvSpPr>
-            <a:spLocks noGrp="1"/>
-          </p:cNvSpPr>
-          <p:nvPr>
-            <p:ph type="body" idx="1"/>
-          </p:nvPr>
-        </p:nvSpPr>
-        <p:spPr>
-          <a:xfrm>
-            <a:off x="722313" y="4626864"/>
-            <a:ext cx="7772400" cy="1500187"/>
-          </a:xfrm>
-        </p:spPr>
-        <p:txBody>
-          <a:bodyPr anchor="t">
-            <a:normAutofit/>
-          </a:bodyPr>
-          <a:lstStyle>
-            <a:lvl1pPr marL="0" indent="0">
-              <a:buNone/>
-              <a:defRPr sz="2400">
-                <a:solidFill>
-                  <a:schemeClr val="tx2"/>
-                </a:solidFill>
-              </a:defRPr>
-            </a:lvl1pPr>
-            <a:lvl2pPr marL="457200" indent="0">
-              <a:buNone/>
-              <a:defRPr sz="1800">
-                <a:solidFill>
-                  <a:schemeClr val="tx1">
-                    <a:tint val="75000"/>
-                  </a:schemeClr>
-                </a:solidFill>
-              </a:defRPr>
-            </a:lvl2pPr>
-            <a:lvl3pPr marL="914400" indent="0">
-              <a:buNone/>
-              <a:defRPr sz="1600">
-                <a:solidFill>
-                  <a:schemeClr val="tx1">
-                    <a:tint val="75000"/>
-                  </a:schemeClr>
-                </a:solidFill>
-              </a:defRPr>
-            </a:lvl3pPr>
-            <a:lvl4pPr marL="1371600" indent="0">
-              <a:buNone/>
-              <a:defRPr sz="1400">
-                <a:solidFill>
-                  <a:schemeClr val="tx1">
-                    <a:tint val="75000"/>
-                  </a:schemeClr>
-                </a:solidFill>
-              </a:defRPr>
-            </a:lvl4pPr>
-            <a:lvl5pPr marL="1828800" indent="0">
-              <a:buNone/>
-              <a:defRPr sz="1400">
-                <a:solidFill>
-                  <a:schemeClr val="tx1">
-                    <a:tint val="75000"/>
-                  </a:schemeClr>
-                </a:solidFill>
-              </a:defRPr>
-            </a:lvl5pPr>
-            <a:lvl6pPr marL="2286000" indent="0">
-              <a:buNone/>
-              <a:defRPr sz="1400">
-                <a:solidFill>
-                  <a:schemeClr val="tx1">
-                    <a:tint val="75000"/>
-                  </a:schemeClr>
-                </a:solidFill>
-              </a:defRPr>
-            </a:lvl6pPr>
-            <a:lvl7pPr marL="2743200" indent="0">
-              <a:buNone/>
-              <a:defRPr sz="1400">
-                <a:solidFill>
-                  <a:schemeClr val="tx1">
-                    <a:tint val="75000"/>
-                  </a:schemeClr>
-                </a:solidFill>
-              </a:defRPr>
-            </a:lvl7pPr>
-            <a:lvl8pPr marL="3200400" indent="0">
-              <a:buNone/>
-              <a:defRPr sz="1400">
-                <a:solidFill>
-                  <a:schemeClr val="tx1">
-                    <a:tint val="75000"/>
-                  </a:schemeClr>
-                </a:solidFill>
-              </a:defRPr>
-            </a:lvl8pPr>
-            <a:lvl9pPr marL="3657600" indent="0">
-              <a:buNone/>
-              <a:defRPr sz="1400">
-                <a:solidFill>
-                  <a:schemeClr val="tx1">
-                    <a:tint val="75000"/>
-                  </a:schemeClr>
-                </a:solidFill>
-              </a:defRPr>
-            </a:lvl9pPr>
-          </a:lstStyle>
-          <a:p>
-            <a:pPr lvl="0"/>
-            <a:r>
-              <a:rPr lang="en-GB" smtClean="0"/>
-              <a:t>Click to edit Master text styles</a:t>
-            </a:r>
-          </a:p>
-        </p:txBody>
-      </p:sp>
-      <p:sp>
-        <p:nvSpPr>
-          <p:cNvPr id="4" name="Date Placeholder 3"/>
-          <p:cNvSpPr>
-            <a:spLocks noGrp="1"/>
-          </p:cNvSpPr>
-          <p:nvPr>
-            <p:ph type="dt" sz="half" idx="10"/>
-          </p:nvPr>
-        </p:nvSpPr>
-        <p:spPr>
-          <a:xfrm>
-            <a:off x="457200" y="18288"/>
-            <a:ext cx="2895600" cy="329184"/>
-          </a:xfrm>
-          <a:prstGeom prst="rect">
-            <a:avLst/>
-          </a:prstGeom>
-        </p:spPr>
-        <p:txBody>
-          <a:bodyPr/>
-          <a:lstStyle/>
-          <a:p>
-            <a:fld id="{173132C3-466D-EB4C-A942-AD4AB1C0C7A2}" type="datetimeFigureOut">
-              <a:rPr lang="en-US" smtClean="0"/>
-              <a:t>3/31/2014</a:t>
-            </a:fld>
-            <a:endParaRPr lang="en-US"/>
-          </a:p>
-        </p:txBody>
-      </p:sp>
-      <p:sp>
-        <p:nvSpPr>
-          <p:cNvPr id="5" name="Footer Placeholder 4"/>
-          <p:cNvSpPr>
-            <a:spLocks noGrp="1"/>
-          </p:cNvSpPr>
-          <p:nvPr>
-            <p:ph type="ftr" sz="quarter" idx="11"/>
-          </p:nvPr>
-        </p:nvSpPr>
-        <p:spPr>
-          <a:xfrm>
-            <a:off x="3429000" y="18288"/>
-            <a:ext cx="4114800" cy="329184"/>
-          </a:xfrm>
-          <a:prstGeom prst="rect">
-            <a:avLst/>
-          </a:prstGeom>
-        </p:spPr>
-        <p:txBody>
-          <a:bodyPr/>
-          <a:lstStyle/>
-          <a:p>
-            <a:endParaRPr lang="en-US"/>
-          </a:p>
-        </p:txBody>
-      </p:sp>
-      <p:sp>
-        <p:nvSpPr>
-          <p:cNvPr id="6" name="Slide Number Placeholder 5"/>
-          <p:cNvSpPr>
-            <a:spLocks noGrp="1"/>
-          </p:cNvSpPr>
-          <p:nvPr>
-            <p:ph type="sldNum" sz="quarter" idx="12"/>
-          </p:nvPr>
-        </p:nvSpPr>
-        <p:spPr>
-          <a:xfrm>
-            <a:off x="7620000" y="18288"/>
-            <a:ext cx="1066800" cy="329184"/>
-          </a:xfrm>
-          <a:prstGeom prst="rect">
-            <a:avLst/>
-          </a:prstGeom>
-        </p:spPr>
-        <p:txBody>
-          <a:bodyPr/>
-          <a:lstStyle/>
-          <a:p>
-            <a:fld id="{CE7E94FF-7BF1-494A-9722-638A8AFA7F4F}" type="slidenum">
-              <a:rPr lang="en-US" smtClean="0"/>
-              <a:t>‹#›</a:t>
-            </a:fld>
-            <a:endParaRPr lang="en-US"/>
-          </a:p>
-        </p:txBody>
-      </p:sp>
-      <p:cxnSp>
-        <p:nvCxnSpPr>
-          <p:cNvPr id="7" name="Straight Connector 6"/>
-          <p:cNvCxnSpPr/>
-          <p:nvPr/>
-        </p:nvCxnSpPr>
-        <p:spPr>
-          <a:xfrm>
-            <a:off x="731520" y="4599432"/>
-            <a:ext cx="7848600" cy="1588"/>
-          </a:xfrm>
-          <a:prstGeom prst="line">
-            <a:avLst/>
-          </a:prstGeom>
-          <a:ln w="19050">
-            <a:solidFill>
-              <a:schemeClr val="tx2"/>
-            </a:solidFill>
-          </a:ln>
-        </p:spPr>
-        <p:style>
-          <a:lnRef idx="1">
-            <a:schemeClr val="accent1"/>
-          </a:lnRef>
-          <a:fillRef idx="0">
-            <a:schemeClr val="accent1"/>
-          </a:fillRef>
-          <a:effectRef idx="0">
-            <a:schemeClr val="accent1"/>
-          </a:effectRef>
-          <a:fontRef idx="minor">
-            <a:schemeClr val="tx1"/>
-          </a:fontRef>
-        </p:style>
-      </p:cxnSp>
-    </p:spTree>
-  </p:cSld>
-  <p:clrMapOvr>
-    <a:overrideClrMapping bg1="dk1" tx1="lt1" bg2="dk2" tx2="lt2" accent1="accent1" accent2="accent2" accent3="accent3" accent4="accent4" accent5="accent5" accent6="accent6" hlink="hlink" folHlink="folHlink"/>
-  </p:clrMapOvr>
-</p:sldLayout>
-</file>
-
-<file path=ppt/slideLayouts/slideLayout4.xml><?xml version="1.0" encoding="utf-8"?>
+<file path=ppt/slideLayouts/slideLayout14.xml><?xml version="1.0" encoding="utf-8"?>
 <p:sldLayout xmlns:a="http://schemas.openxmlformats.org/drawingml/2006/main" xmlns:r="http://schemas.openxmlformats.org/officeDocument/2006/relationships" xmlns:p="http://schemas.openxmlformats.org/presentationml/2006/main" type="twoObj" preserve="1">
   <p:cSld name="Two Content">
     <p:spTree>
@@ -1601,6 +1975,881 @@
 </p:sldLayout>
 </file>
 
+<file path=ppt/slideLayouts/slideLayout15.xml><?xml version="1.0" encoding="utf-8"?>
+<p:sldLayout xmlns:a="http://schemas.openxmlformats.org/drawingml/2006/main" xmlns:r="http://schemas.openxmlformats.org/officeDocument/2006/relationships" xmlns:p="http://schemas.openxmlformats.org/presentationml/2006/main" type="titleOnly" preserve="1">
+  <p:cSld name="Title Only">
+    <p:spTree>
+      <p:nvGrpSpPr>
+        <p:cNvPr id="1" name=""/>
+        <p:cNvGrpSpPr/>
+        <p:nvPr/>
+      </p:nvGrpSpPr>
+      <p:grpSpPr>
+        <a:xfrm>
+          <a:off x="0" y="0"/>
+          <a:ext cx="0" cy="0"/>
+          <a:chOff x="0" y="0"/>
+          <a:chExt cx="0" cy="0"/>
+        </a:xfrm>
+      </p:grpSpPr>
+      <p:sp>
+        <p:nvSpPr>
+          <p:cNvPr id="2" name="Title 1"/>
+          <p:cNvSpPr>
+            <a:spLocks noGrp="1"/>
+          </p:cNvSpPr>
+          <p:nvPr>
+            <p:ph type="title"/>
+          </p:nvPr>
+        </p:nvSpPr>
+        <p:spPr/>
+        <p:txBody>
+          <a:bodyPr/>
+          <a:lstStyle/>
+          <a:p>
+            <a:r>
+              <a:rPr lang="en-GB" smtClean="0"/>
+              <a:t>Click to edit Master title style</a:t>
+            </a:r>
+            <a:endParaRPr lang="en-US"/>
+          </a:p>
+        </p:txBody>
+      </p:sp>
+      <p:pic>
+        <p:nvPicPr>
+          <p:cNvPr id="3" name="Picture 2" descr="U:\Docs\logos\swclogo.png"/>
+          <p:cNvPicPr>
+            <a:picLocks noChangeAspect="1" noChangeArrowheads="1"/>
+          </p:cNvPicPr>
+          <p:nvPr userDrawn="1"/>
+        </p:nvPicPr>
+        <p:blipFill>
+          <a:blip r:embed="rId2">
+            <a:extLst>
+              <a:ext uri="{28A0092B-C50C-407E-A947-70E740481C1C}">
+                <a14:useLocalDpi xmlns:a14="http://schemas.microsoft.com/office/drawing/2010/main" val="0"/>
+              </a:ext>
+            </a:extLst>
+          </a:blip>
+          <a:srcRect/>
+          <a:stretch>
+            <a:fillRect/>
+          </a:stretch>
+        </p:blipFill>
+        <p:spPr bwMode="auto">
+          <a:xfrm>
+            <a:off x="3050017" y="5910021"/>
+            <a:ext cx="3070603" cy="621346"/>
+          </a:xfrm>
+          <a:prstGeom prst="rect">
+            <a:avLst/>
+          </a:prstGeom>
+          <a:solidFill>
+            <a:schemeClr val="bg1"/>
+          </a:solidFill>
+          <a:ln>
+            <a:noFill/>
+          </a:ln>
+          <a:extLst>
+            <a:ext uri="{91240B29-F687-4F45-9708-019B960494DF}">
+              <a14:hiddenLine xmlns:a14="http://schemas.microsoft.com/office/drawing/2010/main" w="9525">
+                <a:solidFill>
+                  <a:srgbClr val="000000"/>
+                </a:solidFill>
+                <a:miter lim="800000"/>
+                <a:headEnd/>
+                <a:tailEnd/>
+              </a14:hiddenLine>
+            </a:ext>
+          </a:extLst>
+        </p:spPr>
+      </p:pic>
+    </p:spTree>
+  </p:cSld>
+  <p:clrMapOvr>
+    <a:masterClrMapping/>
+  </p:clrMapOvr>
+</p:sldLayout>
+</file>
+
+<file path=ppt/slideLayouts/slideLayout16.xml><?xml version="1.0" encoding="utf-8"?>
+<p:sldLayout xmlns:a="http://schemas.openxmlformats.org/drawingml/2006/main" xmlns:r="http://schemas.openxmlformats.org/officeDocument/2006/relationships" xmlns:p="http://schemas.openxmlformats.org/presentationml/2006/main" type="blank" preserve="1">
+  <p:cSld name="Blank">
+    <p:spTree>
+      <p:nvGrpSpPr>
+        <p:cNvPr id="1" name=""/>
+        <p:cNvGrpSpPr/>
+        <p:nvPr/>
+      </p:nvGrpSpPr>
+      <p:grpSpPr>
+        <a:xfrm>
+          <a:off x="0" y="0"/>
+          <a:ext cx="0" cy="0"/>
+          <a:chOff x="0" y="0"/>
+          <a:chExt cx="0" cy="0"/>
+        </a:xfrm>
+      </p:grpSpPr>
+      <p:pic>
+        <p:nvPicPr>
+          <p:cNvPr id="2" name="Picture 1" descr="U:\Docs\logos\swclogo.png"/>
+          <p:cNvPicPr>
+            <a:picLocks noChangeAspect="1" noChangeArrowheads="1"/>
+          </p:cNvPicPr>
+          <p:nvPr userDrawn="1"/>
+        </p:nvPicPr>
+        <p:blipFill>
+          <a:blip r:embed="rId2">
+            <a:extLst>
+              <a:ext uri="{28A0092B-C50C-407E-A947-70E740481C1C}">
+                <a14:useLocalDpi xmlns:a14="http://schemas.microsoft.com/office/drawing/2010/main" val="0"/>
+              </a:ext>
+            </a:extLst>
+          </a:blip>
+          <a:srcRect/>
+          <a:stretch>
+            <a:fillRect/>
+          </a:stretch>
+        </p:blipFill>
+        <p:spPr bwMode="auto">
+          <a:xfrm>
+            <a:off x="3050017" y="5910021"/>
+            <a:ext cx="3070603" cy="621346"/>
+          </a:xfrm>
+          <a:prstGeom prst="rect">
+            <a:avLst/>
+          </a:prstGeom>
+          <a:solidFill>
+            <a:schemeClr val="bg1"/>
+          </a:solidFill>
+          <a:ln>
+            <a:noFill/>
+          </a:ln>
+          <a:extLst>
+            <a:ext uri="{91240B29-F687-4F45-9708-019B960494DF}">
+              <a14:hiddenLine xmlns:a14="http://schemas.microsoft.com/office/drawing/2010/main" w="9525">
+                <a:solidFill>
+                  <a:srgbClr val="000000"/>
+                </a:solidFill>
+                <a:miter lim="800000"/>
+                <a:headEnd/>
+                <a:tailEnd/>
+              </a14:hiddenLine>
+            </a:ext>
+          </a:extLst>
+        </p:spPr>
+      </p:pic>
+    </p:spTree>
+  </p:cSld>
+  <p:clrMapOvr>
+    <a:masterClrMapping/>
+  </p:clrMapOvr>
+</p:sldLayout>
+</file>
+
+<file path=ppt/slideLayouts/slideLayout2.xml><?xml version="1.0" encoding="utf-8"?>
+<p:sldLayout xmlns:a="http://schemas.openxmlformats.org/drawingml/2006/main" xmlns:r="http://schemas.openxmlformats.org/officeDocument/2006/relationships" xmlns:p="http://schemas.openxmlformats.org/presentationml/2006/main" type="obj" preserve="1">
+  <p:cSld name="Title and Content">
+    <p:spTree>
+      <p:nvGrpSpPr>
+        <p:cNvPr id="1" name=""/>
+        <p:cNvGrpSpPr/>
+        <p:nvPr/>
+      </p:nvGrpSpPr>
+      <p:grpSpPr>
+        <a:xfrm>
+          <a:off x="0" y="0"/>
+          <a:ext cx="0" cy="0"/>
+          <a:chOff x="0" y="0"/>
+          <a:chExt cx="0" cy="0"/>
+        </a:xfrm>
+      </p:grpSpPr>
+      <p:sp>
+        <p:nvSpPr>
+          <p:cNvPr id="2" name="Title 1"/>
+          <p:cNvSpPr>
+            <a:spLocks noGrp="1"/>
+          </p:cNvSpPr>
+          <p:nvPr>
+            <p:ph type="title"/>
+          </p:nvPr>
+        </p:nvSpPr>
+        <p:spPr/>
+        <p:txBody>
+          <a:bodyPr/>
+          <a:lstStyle/>
+          <a:p>
+            <a:r>
+              <a:rPr lang="en-GB" smtClean="0"/>
+              <a:t>Click to edit Master title style</a:t>
+            </a:r>
+            <a:endParaRPr lang="en-US"/>
+          </a:p>
+        </p:txBody>
+      </p:sp>
+      <p:sp>
+        <p:nvSpPr>
+          <p:cNvPr id="3" name="Content Placeholder 2"/>
+          <p:cNvSpPr>
+            <a:spLocks noGrp="1"/>
+          </p:cNvSpPr>
+          <p:nvPr>
+            <p:ph idx="1"/>
+          </p:nvPr>
+        </p:nvSpPr>
+        <p:spPr/>
+        <p:txBody>
+          <a:bodyPr/>
+          <a:lstStyle/>
+          <a:p>
+            <a:pPr lvl="0"/>
+            <a:r>
+              <a:rPr lang="en-GB" smtClean="0"/>
+              <a:t>Click to edit Master text styles</a:t>
+            </a:r>
+          </a:p>
+          <a:p>
+            <a:pPr lvl="1"/>
+            <a:r>
+              <a:rPr lang="en-GB" smtClean="0"/>
+              <a:t>Second level</a:t>
+            </a:r>
+          </a:p>
+          <a:p>
+            <a:pPr lvl="2"/>
+            <a:r>
+              <a:rPr lang="en-GB" smtClean="0"/>
+              <a:t>Third level</a:t>
+            </a:r>
+          </a:p>
+          <a:p>
+            <a:pPr lvl="3"/>
+            <a:r>
+              <a:rPr lang="en-GB" smtClean="0"/>
+              <a:t>Fourth level</a:t>
+            </a:r>
+          </a:p>
+          <a:p>
+            <a:pPr lvl="4"/>
+            <a:r>
+              <a:rPr lang="en-GB" smtClean="0"/>
+              <a:t>Fifth level</a:t>
+            </a:r>
+            <a:endParaRPr lang="en-US"/>
+          </a:p>
+        </p:txBody>
+      </p:sp>
+      <p:sp>
+        <p:nvSpPr>
+          <p:cNvPr id="4" name="Date Placeholder 3"/>
+          <p:cNvSpPr>
+            <a:spLocks noGrp="1"/>
+          </p:cNvSpPr>
+          <p:nvPr>
+            <p:ph type="dt" sz="half" idx="10"/>
+          </p:nvPr>
+        </p:nvSpPr>
+        <p:spPr/>
+        <p:txBody>
+          <a:bodyPr/>
+          <a:lstStyle/>
+          <a:p>
+            <a:fld id="{3E8CEB70-C80E-1048-86BD-76ABBAA6B3F4}" type="datetimeFigureOut">
+              <a:rPr lang="en-US" smtClean="0"/>
+              <a:t>7/9/2014</a:t>
+            </a:fld>
+            <a:endParaRPr lang="en-US"/>
+          </a:p>
+        </p:txBody>
+      </p:sp>
+      <p:sp>
+        <p:nvSpPr>
+          <p:cNvPr id="5" name="Footer Placeholder 4"/>
+          <p:cNvSpPr>
+            <a:spLocks noGrp="1"/>
+          </p:cNvSpPr>
+          <p:nvPr>
+            <p:ph type="ftr" sz="quarter" idx="11"/>
+          </p:nvPr>
+        </p:nvSpPr>
+        <p:spPr/>
+        <p:txBody>
+          <a:bodyPr/>
+          <a:lstStyle/>
+          <a:p>
+            <a:endParaRPr lang="en-US"/>
+          </a:p>
+        </p:txBody>
+      </p:sp>
+      <p:sp>
+        <p:nvSpPr>
+          <p:cNvPr id="6" name="Slide Number Placeholder 5"/>
+          <p:cNvSpPr>
+            <a:spLocks noGrp="1"/>
+          </p:cNvSpPr>
+          <p:nvPr>
+            <p:ph type="sldNum" sz="quarter" idx="12"/>
+          </p:nvPr>
+        </p:nvSpPr>
+        <p:spPr/>
+        <p:txBody>
+          <a:bodyPr/>
+          <a:lstStyle/>
+          <a:p>
+            <a:fld id="{4DB67BC3-2D99-4A4D-AE2B-B57B184F6E76}" type="slidenum">
+              <a:rPr lang="en-US" smtClean="0"/>
+              <a:t>‹#›</a:t>
+            </a:fld>
+            <a:endParaRPr lang="en-US"/>
+          </a:p>
+        </p:txBody>
+      </p:sp>
+    </p:spTree>
+    <p:extLst>
+      <p:ext uri="{BB962C8B-B14F-4D97-AF65-F5344CB8AC3E}">
+        <p14:creationId xmlns:p14="http://schemas.microsoft.com/office/powerpoint/2010/main" val="2738057552"/>
+      </p:ext>
+    </p:extLst>
+  </p:cSld>
+  <p:clrMapOvr>
+    <a:masterClrMapping/>
+  </p:clrMapOvr>
+</p:sldLayout>
+</file>
+
+<file path=ppt/slideLayouts/slideLayout3.xml><?xml version="1.0" encoding="utf-8"?>
+<p:sldLayout xmlns:a="http://schemas.openxmlformats.org/drawingml/2006/main" xmlns:r="http://schemas.openxmlformats.org/officeDocument/2006/relationships" xmlns:p="http://schemas.openxmlformats.org/presentationml/2006/main" type="secHead" preserve="1">
+  <p:cSld name="Section Header">
+    <p:spTree>
+      <p:nvGrpSpPr>
+        <p:cNvPr id="1" name=""/>
+        <p:cNvGrpSpPr/>
+        <p:nvPr/>
+      </p:nvGrpSpPr>
+      <p:grpSpPr>
+        <a:xfrm>
+          <a:off x="0" y="0"/>
+          <a:ext cx="0" cy="0"/>
+          <a:chOff x="0" y="0"/>
+          <a:chExt cx="0" cy="0"/>
+        </a:xfrm>
+      </p:grpSpPr>
+      <p:sp>
+        <p:nvSpPr>
+          <p:cNvPr id="2" name="Title 1"/>
+          <p:cNvSpPr>
+            <a:spLocks noGrp="1"/>
+          </p:cNvSpPr>
+          <p:nvPr>
+            <p:ph type="title"/>
+          </p:nvPr>
+        </p:nvSpPr>
+        <p:spPr>
+          <a:xfrm>
+            <a:off x="722313" y="4406900"/>
+            <a:ext cx="7772400" cy="1362075"/>
+          </a:xfrm>
+        </p:spPr>
+        <p:txBody>
+          <a:bodyPr anchor="t"/>
+          <a:lstStyle>
+            <a:lvl1pPr algn="l">
+              <a:defRPr sz="4000" b="1" cap="all"/>
+            </a:lvl1pPr>
+          </a:lstStyle>
+          <a:p>
+            <a:r>
+              <a:rPr lang="en-GB" smtClean="0"/>
+              <a:t>Click to edit Master title style</a:t>
+            </a:r>
+            <a:endParaRPr lang="en-US"/>
+          </a:p>
+        </p:txBody>
+      </p:sp>
+      <p:sp>
+        <p:nvSpPr>
+          <p:cNvPr id="3" name="Text Placeholder 2"/>
+          <p:cNvSpPr>
+            <a:spLocks noGrp="1"/>
+          </p:cNvSpPr>
+          <p:nvPr>
+            <p:ph type="body" idx="1"/>
+          </p:nvPr>
+        </p:nvSpPr>
+        <p:spPr>
+          <a:xfrm>
+            <a:off x="722313" y="2906713"/>
+            <a:ext cx="7772400" cy="1500187"/>
+          </a:xfrm>
+        </p:spPr>
+        <p:txBody>
+          <a:bodyPr anchor="b"/>
+          <a:lstStyle>
+            <a:lvl1pPr marL="0" indent="0">
+              <a:buNone/>
+              <a:defRPr sz="2000">
+                <a:solidFill>
+                  <a:schemeClr val="tx1">
+                    <a:tint val="75000"/>
+                  </a:schemeClr>
+                </a:solidFill>
+              </a:defRPr>
+            </a:lvl1pPr>
+            <a:lvl2pPr marL="457200" indent="0">
+              <a:buNone/>
+              <a:defRPr sz="1800">
+                <a:solidFill>
+                  <a:schemeClr val="tx1">
+                    <a:tint val="75000"/>
+                  </a:schemeClr>
+                </a:solidFill>
+              </a:defRPr>
+            </a:lvl2pPr>
+            <a:lvl3pPr marL="914400" indent="0">
+              <a:buNone/>
+              <a:defRPr sz="1600">
+                <a:solidFill>
+                  <a:schemeClr val="tx1">
+                    <a:tint val="75000"/>
+                  </a:schemeClr>
+                </a:solidFill>
+              </a:defRPr>
+            </a:lvl3pPr>
+            <a:lvl4pPr marL="1371600" indent="0">
+              <a:buNone/>
+              <a:defRPr sz="1400">
+                <a:solidFill>
+                  <a:schemeClr val="tx1">
+                    <a:tint val="75000"/>
+                  </a:schemeClr>
+                </a:solidFill>
+              </a:defRPr>
+            </a:lvl4pPr>
+            <a:lvl5pPr marL="1828800" indent="0">
+              <a:buNone/>
+              <a:defRPr sz="1400">
+                <a:solidFill>
+                  <a:schemeClr val="tx1">
+                    <a:tint val="75000"/>
+                  </a:schemeClr>
+                </a:solidFill>
+              </a:defRPr>
+            </a:lvl5pPr>
+            <a:lvl6pPr marL="2286000" indent="0">
+              <a:buNone/>
+              <a:defRPr sz="1400">
+                <a:solidFill>
+                  <a:schemeClr val="tx1">
+                    <a:tint val="75000"/>
+                  </a:schemeClr>
+                </a:solidFill>
+              </a:defRPr>
+            </a:lvl6pPr>
+            <a:lvl7pPr marL="2743200" indent="0">
+              <a:buNone/>
+              <a:defRPr sz="1400">
+                <a:solidFill>
+                  <a:schemeClr val="tx1">
+                    <a:tint val="75000"/>
+                  </a:schemeClr>
+                </a:solidFill>
+              </a:defRPr>
+            </a:lvl7pPr>
+            <a:lvl8pPr marL="3200400" indent="0">
+              <a:buNone/>
+              <a:defRPr sz="1400">
+                <a:solidFill>
+                  <a:schemeClr val="tx1">
+                    <a:tint val="75000"/>
+                  </a:schemeClr>
+                </a:solidFill>
+              </a:defRPr>
+            </a:lvl8pPr>
+            <a:lvl9pPr marL="3657600" indent="0">
+              <a:buNone/>
+              <a:defRPr sz="1400">
+                <a:solidFill>
+                  <a:schemeClr val="tx1">
+                    <a:tint val="75000"/>
+                  </a:schemeClr>
+                </a:solidFill>
+              </a:defRPr>
+            </a:lvl9pPr>
+          </a:lstStyle>
+          <a:p>
+            <a:pPr lvl="0"/>
+            <a:r>
+              <a:rPr lang="en-GB" smtClean="0"/>
+              <a:t>Click to edit Master text styles</a:t>
+            </a:r>
+          </a:p>
+        </p:txBody>
+      </p:sp>
+      <p:sp>
+        <p:nvSpPr>
+          <p:cNvPr id="4" name="Date Placeholder 3"/>
+          <p:cNvSpPr>
+            <a:spLocks noGrp="1"/>
+          </p:cNvSpPr>
+          <p:nvPr>
+            <p:ph type="dt" sz="half" idx="10"/>
+          </p:nvPr>
+        </p:nvSpPr>
+        <p:spPr/>
+        <p:txBody>
+          <a:bodyPr/>
+          <a:lstStyle/>
+          <a:p>
+            <a:fld id="{3E8CEB70-C80E-1048-86BD-76ABBAA6B3F4}" type="datetimeFigureOut">
+              <a:rPr lang="en-US" smtClean="0"/>
+              <a:t>7/9/2014</a:t>
+            </a:fld>
+            <a:endParaRPr lang="en-US"/>
+          </a:p>
+        </p:txBody>
+      </p:sp>
+      <p:sp>
+        <p:nvSpPr>
+          <p:cNvPr id="5" name="Footer Placeholder 4"/>
+          <p:cNvSpPr>
+            <a:spLocks noGrp="1"/>
+          </p:cNvSpPr>
+          <p:nvPr>
+            <p:ph type="ftr" sz="quarter" idx="11"/>
+          </p:nvPr>
+        </p:nvSpPr>
+        <p:spPr/>
+        <p:txBody>
+          <a:bodyPr/>
+          <a:lstStyle/>
+          <a:p>
+            <a:endParaRPr lang="en-US"/>
+          </a:p>
+        </p:txBody>
+      </p:sp>
+      <p:sp>
+        <p:nvSpPr>
+          <p:cNvPr id="6" name="Slide Number Placeholder 5"/>
+          <p:cNvSpPr>
+            <a:spLocks noGrp="1"/>
+          </p:cNvSpPr>
+          <p:nvPr>
+            <p:ph type="sldNum" sz="quarter" idx="12"/>
+          </p:nvPr>
+        </p:nvSpPr>
+        <p:spPr/>
+        <p:txBody>
+          <a:bodyPr/>
+          <a:lstStyle/>
+          <a:p>
+            <a:fld id="{4DB67BC3-2D99-4A4D-AE2B-B57B184F6E76}" type="slidenum">
+              <a:rPr lang="en-US" smtClean="0"/>
+              <a:t>‹#›</a:t>
+            </a:fld>
+            <a:endParaRPr lang="en-US"/>
+          </a:p>
+        </p:txBody>
+      </p:sp>
+    </p:spTree>
+    <p:extLst>
+      <p:ext uri="{BB962C8B-B14F-4D97-AF65-F5344CB8AC3E}">
+        <p14:creationId xmlns:p14="http://schemas.microsoft.com/office/powerpoint/2010/main" val="839691880"/>
+      </p:ext>
+    </p:extLst>
+  </p:cSld>
+  <p:clrMapOvr>
+    <a:masterClrMapping/>
+  </p:clrMapOvr>
+</p:sldLayout>
+</file>
+
+<file path=ppt/slideLayouts/slideLayout4.xml><?xml version="1.0" encoding="utf-8"?>
+<p:sldLayout xmlns:a="http://schemas.openxmlformats.org/drawingml/2006/main" xmlns:r="http://schemas.openxmlformats.org/officeDocument/2006/relationships" xmlns:p="http://schemas.openxmlformats.org/presentationml/2006/main" type="twoObj" preserve="1">
+  <p:cSld name="Two Content">
+    <p:spTree>
+      <p:nvGrpSpPr>
+        <p:cNvPr id="1" name=""/>
+        <p:cNvGrpSpPr/>
+        <p:nvPr/>
+      </p:nvGrpSpPr>
+      <p:grpSpPr>
+        <a:xfrm>
+          <a:off x="0" y="0"/>
+          <a:ext cx="0" cy="0"/>
+          <a:chOff x="0" y="0"/>
+          <a:chExt cx="0" cy="0"/>
+        </a:xfrm>
+      </p:grpSpPr>
+      <p:sp>
+        <p:nvSpPr>
+          <p:cNvPr id="2" name="Title 1"/>
+          <p:cNvSpPr>
+            <a:spLocks noGrp="1"/>
+          </p:cNvSpPr>
+          <p:nvPr>
+            <p:ph type="title"/>
+          </p:nvPr>
+        </p:nvSpPr>
+        <p:spPr/>
+        <p:txBody>
+          <a:bodyPr/>
+          <a:lstStyle/>
+          <a:p>
+            <a:r>
+              <a:rPr lang="en-GB" smtClean="0"/>
+              <a:t>Click to edit Master title style</a:t>
+            </a:r>
+            <a:endParaRPr lang="en-US"/>
+          </a:p>
+        </p:txBody>
+      </p:sp>
+      <p:sp>
+        <p:nvSpPr>
+          <p:cNvPr id="3" name="Content Placeholder 2"/>
+          <p:cNvSpPr>
+            <a:spLocks noGrp="1"/>
+          </p:cNvSpPr>
+          <p:nvPr>
+            <p:ph sz="half" idx="1"/>
+          </p:nvPr>
+        </p:nvSpPr>
+        <p:spPr>
+          <a:xfrm>
+            <a:off x="457200" y="1600200"/>
+            <a:ext cx="4038600" cy="4525963"/>
+          </a:xfrm>
+        </p:spPr>
+        <p:txBody>
+          <a:bodyPr/>
+          <a:lstStyle>
+            <a:lvl1pPr>
+              <a:defRPr sz="2800"/>
+            </a:lvl1pPr>
+            <a:lvl2pPr>
+              <a:defRPr sz="2400"/>
+            </a:lvl2pPr>
+            <a:lvl3pPr>
+              <a:defRPr sz="2000"/>
+            </a:lvl3pPr>
+            <a:lvl4pPr>
+              <a:defRPr sz="1800"/>
+            </a:lvl4pPr>
+            <a:lvl5pPr>
+              <a:defRPr sz="1800"/>
+            </a:lvl5pPr>
+            <a:lvl6pPr>
+              <a:defRPr sz="1800"/>
+            </a:lvl6pPr>
+            <a:lvl7pPr>
+              <a:defRPr sz="1800"/>
+            </a:lvl7pPr>
+            <a:lvl8pPr>
+              <a:defRPr sz="1800"/>
+            </a:lvl8pPr>
+            <a:lvl9pPr>
+              <a:defRPr sz="1800"/>
+            </a:lvl9pPr>
+          </a:lstStyle>
+          <a:p>
+            <a:pPr lvl="0"/>
+            <a:r>
+              <a:rPr lang="en-GB" smtClean="0"/>
+              <a:t>Click to edit Master text styles</a:t>
+            </a:r>
+          </a:p>
+          <a:p>
+            <a:pPr lvl="1"/>
+            <a:r>
+              <a:rPr lang="en-GB" smtClean="0"/>
+              <a:t>Second level</a:t>
+            </a:r>
+          </a:p>
+          <a:p>
+            <a:pPr lvl="2"/>
+            <a:r>
+              <a:rPr lang="en-GB" smtClean="0"/>
+              <a:t>Third level</a:t>
+            </a:r>
+          </a:p>
+          <a:p>
+            <a:pPr lvl="3"/>
+            <a:r>
+              <a:rPr lang="en-GB" smtClean="0"/>
+              <a:t>Fourth level</a:t>
+            </a:r>
+          </a:p>
+          <a:p>
+            <a:pPr lvl="4"/>
+            <a:r>
+              <a:rPr lang="en-GB" smtClean="0"/>
+              <a:t>Fifth level</a:t>
+            </a:r>
+            <a:endParaRPr lang="en-US"/>
+          </a:p>
+        </p:txBody>
+      </p:sp>
+      <p:sp>
+        <p:nvSpPr>
+          <p:cNvPr id="4" name="Content Placeholder 3"/>
+          <p:cNvSpPr>
+            <a:spLocks noGrp="1"/>
+          </p:cNvSpPr>
+          <p:nvPr>
+            <p:ph sz="half" idx="2"/>
+          </p:nvPr>
+        </p:nvSpPr>
+        <p:spPr>
+          <a:xfrm>
+            <a:off x="4648200" y="1600200"/>
+            <a:ext cx="4038600" cy="4525963"/>
+          </a:xfrm>
+        </p:spPr>
+        <p:txBody>
+          <a:bodyPr/>
+          <a:lstStyle>
+            <a:lvl1pPr>
+              <a:defRPr sz="2800"/>
+            </a:lvl1pPr>
+            <a:lvl2pPr>
+              <a:defRPr sz="2400"/>
+            </a:lvl2pPr>
+            <a:lvl3pPr>
+              <a:defRPr sz="2000"/>
+            </a:lvl3pPr>
+            <a:lvl4pPr>
+              <a:defRPr sz="1800"/>
+            </a:lvl4pPr>
+            <a:lvl5pPr>
+              <a:defRPr sz="1800"/>
+            </a:lvl5pPr>
+            <a:lvl6pPr>
+              <a:defRPr sz="1800"/>
+            </a:lvl6pPr>
+            <a:lvl7pPr>
+              <a:defRPr sz="1800"/>
+            </a:lvl7pPr>
+            <a:lvl8pPr>
+              <a:defRPr sz="1800"/>
+            </a:lvl8pPr>
+            <a:lvl9pPr>
+              <a:defRPr sz="1800"/>
+            </a:lvl9pPr>
+          </a:lstStyle>
+          <a:p>
+            <a:pPr lvl="0"/>
+            <a:r>
+              <a:rPr lang="en-GB" smtClean="0"/>
+              <a:t>Click to edit Master text styles</a:t>
+            </a:r>
+          </a:p>
+          <a:p>
+            <a:pPr lvl="1"/>
+            <a:r>
+              <a:rPr lang="en-GB" smtClean="0"/>
+              <a:t>Second level</a:t>
+            </a:r>
+          </a:p>
+          <a:p>
+            <a:pPr lvl="2"/>
+            <a:r>
+              <a:rPr lang="en-GB" smtClean="0"/>
+              <a:t>Third level</a:t>
+            </a:r>
+          </a:p>
+          <a:p>
+            <a:pPr lvl="3"/>
+            <a:r>
+              <a:rPr lang="en-GB" smtClean="0"/>
+              <a:t>Fourth level</a:t>
+            </a:r>
+          </a:p>
+          <a:p>
+            <a:pPr lvl="4"/>
+            <a:r>
+              <a:rPr lang="en-GB" smtClean="0"/>
+              <a:t>Fifth level</a:t>
+            </a:r>
+            <a:endParaRPr lang="en-US"/>
+          </a:p>
+        </p:txBody>
+      </p:sp>
+      <p:sp>
+        <p:nvSpPr>
+          <p:cNvPr id="5" name="Date Placeholder 4"/>
+          <p:cNvSpPr>
+            <a:spLocks noGrp="1"/>
+          </p:cNvSpPr>
+          <p:nvPr>
+            <p:ph type="dt" sz="half" idx="10"/>
+          </p:nvPr>
+        </p:nvSpPr>
+        <p:spPr/>
+        <p:txBody>
+          <a:bodyPr/>
+          <a:lstStyle/>
+          <a:p>
+            <a:fld id="{3E8CEB70-C80E-1048-86BD-76ABBAA6B3F4}" type="datetimeFigureOut">
+              <a:rPr lang="en-US" smtClean="0"/>
+              <a:t>7/9/2014</a:t>
+            </a:fld>
+            <a:endParaRPr lang="en-US"/>
+          </a:p>
+        </p:txBody>
+      </p:sp>
+      <p:sp>
+        <p:nvSpPr>
+          <p:cNvPr id="6" name="Footer Placeholder 5"/>
+          <p:cNvSpPr>
+            <a:spLocks noGrp="1"/>
+          </p:cNvSpPr>
+          <p:nvPr>
+            <p:ph type="ftr" sz="quarter" idx="11"/>
+          </p:nvPr>
+        </p:nvSpPr>
+        <p:spPr/>
+        <p:txBody>
+          <a:bodyPr/>
+          <a:lstStyle/>
+          <a:p>
+            <a:endParaRPr lang="en-US"/>
+          </a:p>
+        </p:txBody>
+      </p:sp>
+      <p:sp>
+        <p:nvSpPr>
+          <p:cNvPr id="7" name="Slide Number Placeholder 6"/>
+          <p:cNvSpPr>
+            <a:spLocks noGrp="1"/>
+          </p:cNvSpPr>
+          <p:nvPr>
+            <p:ph type="sldNum" sz="quarter" idx="12"/>
+          </p:nvPr>
+        </p:nvSpPr>
+        <p:spPr/>
+        <p:txBody>
+          <a:bodyPr/>
+          <a:lstStyle/>
+          <a:p>
+            <a:fld id="{4DB67BC3-2D99-4A4D-AE2B-B57B184F6E76}" type="slidenum">
+              <a:rPr lang="en-US" smtClean="0"/>
+              <a:t>‹#›</a:t>
+            </a:fld>
+            <a:endParaRPr lang="en-US"/>
+          </a:p>
+        </p:txBody>
+      </p:sp>
+    </p:spTree>
+    <p:extLst>
+      <p:ext uri="{BB962C8B-B14F-4D97-AF65-F5344CB8AC3E}">
+        <p14:creationId xmlns:p14="http://schemas.microsoft.com/office/powerpoint/2010/main" val="1706874964"/>
+      </p:ext>
+    </p:extLst>
+  </p:cSld>
+  <p:clrMapOvr>
+    <a:masterClrMapping/>
+  </p:clrMapOvr>
+</p:sldLayout>
+</file>
+
 <file path=ppt/slideLayouts/slideLayout5.xml><?xml version="1.0" encoding="utf-8"?>
 <p:sldLayout xmlns:a="http://schemas.openxmlformats.org/drawingml/2006/main" xmlns:r="http://schemas.openxmlformats.org/officeDocument/2006/relationships" xmlns:p="http://schemas.openxmlformats.org/presentationml/2006/main" type="twoTxTwoObj" preserve="1">
   <p:cSld name="Comparison">
@@ -1641,7 +2890,7 @@
               <a:rPr lang="en-GB" smtClean="0"/>
               <a:t>Click to edit Master title style</a:t>
             </a:r>
-            <a:endParaRPr lang="en-US" dirty="0"/>
+            <a:endParaRPr lang="en-US"/>
           </a:p>
         </p:txBody>
       </p:sp>
@@ -1657,39 +2906,16 @@
         </p:nvSpPr>
         <p:spPr>
           <a:xfrm>
-            <a:off x="457200" y="1676400"/>
-            <a:ext cx="3931920" cy="639762"/>
+            <a:off x="457200" y="1535113"/>
+            <a:ext cx="4040188" cy="639762"/>
           </a:xfrm>
-          <a:noFill/>
-          <a:ln>
-            <a:noFill/>
-          </a:ln>
-          <a:effectLst/>
         </p:spPr>
-        <p:style>
-          <a:lnRef idx="3">
-            <a:schemeClr val="lt1"/>
-          </a:lnRef>
-          <a:fillRef idx="1">
-            <a:schemeClr val="accent2"/>
-          </a:fillRef>
-          <a:effectRef idx="1">
-            <a:schemeClr val="accent2"/>
-          </a:effectRef>
-          <a:fontRef idx="none"/>
-        </p:style>
-        <p:txBody>
-          <a:bodyPr anchor="ctr">
-            <a:normAutofit/>
-          </a:bodyPr>
+        <p:txBody>
+          <a:bodyPr anchor="b"/>
           <a:lstStyle>
-            <a:lvl1pPr marL="0" indent="0" algn="ctr">
-              <a:buNone/>
-              <a:defRPr sz="2000" b="0">
-                <a:solidFill>
-                  <a:schemeClr val="tx2"/>
-                </a:solidFill>
-              </a:defRPr>
+            <a:lvl1pPr marL="0" indent="0">
+              <a:buNone/>
+              <a:defRPr sz="2400" b="1"/>
             </a:lvl1pPr>
             <a:lvl2pPr marL="457200" indent="0">
               <a:buNone/>
@@ -1745,8 +2971,8 @@
         </p:nvSpPr>
         <p:spPr>
           <a:xfrm>
-            <a:off x="457200" y="2438400"/>
-            <a:ext cx="3931920" cy="3951288"/>
+            <a:off x="457200" y="2174875"/>
+            <a:ext cx="4040188" cy="3951288"/>
           </a:xfrm>
         </p:spPr>
         <p:txBody>
@@ -1814,7 +3040,7 @@
               <a:rPr lang="en-GB" smtClean="0"/>
               <a:t>Fifth level</a:t>
             </a:r>
-            <a:endParaRPr lang="en-US" dirty="0"/>
+            <a:endParaRPr lang="en-US"/>
           </a:p>
         </p:txBody>
       </p:sp>
@@ -1830,42 +3056,16 @@
         </p:nvSpPr>
         <p:spPr>
           <a:xfrm>
-            <a:off x="4754880" y="1676400"/>
-            <a:ext cx="3931920" cy="639762"/>
+            <a:off x="4645025" y="1535113"/>
+            <a:ext cx="4041775" cy="639762"/>
           </a:xfrm>
-          <a:noFill/>
-          <a:ln>
-            <a:noFill/>
-          </a:ln>
-          <a:effectLst/>
         </p:spPr>
-        <p:style>
-          <a:lnRef idx="3">
-            <a:schemeClr val="lt1"/>
-          </a:lnRef>
-          <a:fillRef idx="1">
-            <a:schemeClr val="accent2"/>
-          </a:fillRef>
-          <a:effectRef idx="1">
-            <a:schemeClr val="accent2"/>
-          </a:effectRef>
-          <a:fontRef idx="none"/>
-        </p:style>
-        <p:txBody>
-          <a:bodyPr anchor="ctr">
-            <a:normAutofit/>
-          </a:bodyPr>
+        <p:txBody>
+          <a:bodyPr anchor="b"/>
           <a:lstStyle>
-            <a:lvl1pPr marL="0" indent="0" algn="ctr">
-              <a:buNone/>
-              <a:defRPr lang="en-US" sz="2000" b="0" kern="1200" dirty="0" smtClean="0">
-                <a:solidFill>
-                  <a:schemeClr val="tx2"/>
-                </a:solidFill>
-                <a:latin typeface="+mn-lt"/>
-                <a:ea typeface="+mn-ea"/>
-                <a:cs typeface="+mn-cs"/>
-              </a:defRPr>
+            <a:lvl1pPr marL="0" indent="0">
+              <a:buNone/>
+              <a:defRPr sz="2400" b="1"/>
             </a:lvl1pPr>
             <a:lvl2pPr marL="457200" indent="0">
               <a:buNone/>
@@ -1921,8 +3121,8 @@
         </p:nvSpPr>
         <p:spPr>
           <a:xfrm>
-            <a:off x="4754880" y="2438400"/>
-            <a:ext cx="3931920" cy="3951288"/>
+            <a:off x="4645025" y="2174875"/>
+            <a:ext cx="4041775" cy="3951288"/>
           </a:xfrm>
         </p:spPr>
         <p:txBody>
@@ -1990,46 +3190,81 @@
               <a:rPr lang="en-GB" smtClean="0"/>
               <a:t>Fifth level</a:t>
             </a:r>
-            <a:endParaRPr lang="en-US" dirty="0"/>
-          </a:p>
-        </p:txBody>
-      </p:sp>
-      <p:cxnSp>
-        <p:nvCxnSpPr>
-          <p:cNvPr id="11" name="Straight Connector 10"/>
-          <p:cNvCxnSpPr/>
-          <p:nvPr/>
-        </p:nvCxnSpPr>
-        <p:spPr>
-          <a:xfrm rot="5400000">
-            <a:off x="2217817" y="4045823"/>
-            <a:ext cx="4709160" cy="794"/>
-          </a:xfrm>
-          <a:prstGeom prst="line">
-            <a:avLst/>
-          </a:prstGeom>
-          <a:ln w="19050">
-            <a:solidFill>
-              <a:schemeClr val="tx2"/>
-            </a:solidFill>
-          </a:ln>
-        </p:spPr>
-        <p:style>
-          <a:lnRef idx="1">
-            <a:schemeClr val="accent1"/>
-          </a:lnRef>
-          <a:fillRef idx="0">
-            <a:schemeClr val="accent1"/>
-          </a:fillRef>
-          <a:effectRef idx="0">
-            <a:schemeClr val="accent1"/>
-          </a:effectRef>
-          <a:fontRef idx="minor">
-            <a:schemeClr val="tx1"/>
-          </a:fontRef>
-        </p:style>
-      </p:cxnSp>
+            <a:endParaRPr lang="en-US"/>
+          </a:p>
+        </p:txBody>
+      </p:sp>
+      <p:sp>
+        <p:nvSpPr>
+          <p:cNvPr id="7" name="Date Placeholder 6"/>
+          <p:cNvSpPr>
+            <a:spLocks noGrp="1"/>
+          </p:cNvSpPr>
+          <p:nvPr>
+            <p:ph type="dt" sz="half" idx="10"/>
+          </p:nvPr>
+        </p:nvSpPr>
+        <p:spPr/>
+        <p:txBody>
+          <a:bodyPr/>
+          <a:lstStyle/>
+          <a:p>
+            <a:fld id="{3E8CEB70-C80E-1048-86BD-76ABBAA6B3F4}" type="datetimeFigureOut">
+              <a:rPr lang="en-US" smtClean="0"/>
+              <a:t>7/9/2014</a:t>
+            </a:fld>
+            <a:endParaRPr lang="en-US"/>
+          </a:p>
+        </p:txBody>
+      </p:sp>
+      <p:sp>
+        <p:nvSpPr>
+          <p:cNvPr id="8" name="Footer Placeholder 7"/>
+          <p:cNvSpPr>
+            <a:spLocks noGrp="1"/>
+          </p:cNvSpPr>
+          <p:nvPr>
+            <p:ph type="ftr" sz="quarter" idx="11"/>
+          </p:nvPr>
+        </p:nvSpPr>
+        <p:spPr/>
+        <p:txBody>
+          <a:bodyPr/>
+          <a:lstStyle/>
+          <a:p>
+            <a:endParaRPr lang="en-US"/>
+          </a:p>
+        </p:txBody>
+      </p:sp>
+      <p:sp>
+        <p:nvSpPr>
+          <p:cNvPr id="9" name="Slide Number Placeholder 8"/>
+          <p:cNvSpPr>
+            <a:spLocks noGrp="1"/>
+          </p:cNvSpPr>
+          <p:nvPr>
+            <p:ph type="sldNum" sz="quarter" idx="12"/>
+          </p:nvPr>
+        </p:nvSpPr>
+        <p:spPr/>
+        <p:txBody>
+          <a:bodyPr/>
+          <a:lstStyle/>
+          <a:p>
+            <a:fld id="{4DB67BC3-2D99-4A4D-AE2B-B57B184F6E76}" type="slidenum">
+              <a:rPr lang="en-US" smtClean="0"/>
+              <a:t>‹#›</a:t>
+            </a:fld>
+            <a:endParaRPr lang="en-US"/>
+          </a:p>
+        </p:txBody>
+      </p:sp>
     </p:spTree>
+    <p:extLst>
+      <p:ext uri="{BB962C8B-B14F-4D97-AF65-F5344CB8AC3E}">
+        <p14:creationId xmlns:p14="http://schemas.microsoft.com/office/powerpoint/2010/main" val="2241365452"/>
+      </p:ext>
+    </p:extLst>
   </p:cSld>
   <p:clrMapOvr>
     <a:masterClrMapping/>
@@ -2077,7 +3312,77 @@
           </a:p>
         </p:txBody>
       </p:sp>
+      <p:sp>
+        <p:nvSpPr>
+          <p:cNvPr id="3" name="Date Placeholder 2"/>
+          <p:cNvSpPr>
+            <a:spLocks noGrp="1"/>
+          </p:cNvSpPr>
+          <p:nvPr>
+            <p:ph type="dt" sz="half" idx="10"/>
+          </p:nvPr>
+        </p:nvSpPr>
+        <p:spPr/>
+        <p:txBody>
+          <a:bodyPr/>
+          <a:lstStyle/>
+          <a:p>
+            <a:fld id="{3E8CEB70-C80E-1048-86BD-76ABBAA6B3F4}" type="datetimeFigureOut">
+              <a:rPr lang="en-US" smtClean="0"/>
+              <a:t>7/9/2014</a:t>
+            </a:fld>
+            <a:endParaRPr lang="en-US"/>
+          </a:p>
+        </p:txBody>
+      </p:sp>
+      <p:sp>
+        <p:nvSpPr>
+          <p:cNvPr id="4" name="Footer Placeholder 3"/>
+          <p:cNvSpPr>
+            <a:spLocks noGrp="1"/>
+          </p:cNvSpPr>
+          <p:nvPr>
+            <p:ph type="ftr" sz="quarter" idx="11"/>
+          </p:nvPr>
+        </p:nvSpPr>
+        <p:spPr/>
+        <p:txBody>
+          <a:bodyPr/>
+          <a:lstStyle/>
+          <a:p>
+            <a:endParaRPr lang="en-US"/>
+          </a:p>
+        </p:txBody>
+      </p:sp>
+      <p:sp>
+        <p:nvSpPr>
+          <p:cNvPr id="5" name="Slide Number Placeholder 4"/>
+          <p:cNvSpPr>
+            <a:spLocks noGrp="1"/>
+          </p:cNvSpPr>
+          <p:nvPr>
+            <p:ph type="sldNum" sz="quarter" idx="12"/>
+          </p:nvPr>
+        </p:nvSpPr>
+        <p:spPr/>
+        <p:txBody>
+          <a:bodyPr/>
+          <a:lstStyle/>
+          <a:p>
+            <a:fld id="{4DB67BC3-2D99-4A4D-AE2B-B57B184F6E76}" type="slidenum">
+              <a:rPr lang="en-US" smtClean="0"/>
+              <a:t>‹#›</a:t>
+            </a:fld>
+            <a:endParaRPr lang="en-US"/>
+          </a:p>
+        </p:txBody>
+      </p:sp>
     </p:spTree>
+    <p:extLst>
+      <p:ext uri="{BB962C8B-B14F-4D97-AF65-F5344CB8AC3E}">
+        <p14:creationId xmlns:p14="http://schemas.microsoft.com/office/powerpoint/2010/main" val="4036612410"/>
+      </p:ext>
+    </p:extLst>
   </p:cSld>
   <p:clrMapOvr>
     <a:masterClrMapping/>
@@ -2102,7 +3407,77 @@
           <a:chExt cx="0" cy="0"/>
         </a:xfrm>
       </p:grpSpPr>
+      <p:sp>
+        <p:nvSpPr>
+          <p:cNvPr id="2" name="Date Placeholder 1"/>
+          <p:cNvSpPr>
+            <a:spLocks noGrp="1"/>
+          </p:cNvSpPr>
+          <p:nvPr>
+            <p:ph type="dt" sz="half" idx="10"/>
+          </p:nvPr>
+        </p:nvSpPr>
+        <p:spPr/>
+        <p:txBody>
+          <a:bodyPr/>
+          <a:lstStyle/>
+          <a:p>
+            <a:fld id="{3E8CEB70-C80E-1048-86BD-76ABBAA6B3F4}" type="datetimeFigureOut">
+              <a:rPr lang="en-US" smtClean="0"/>
+              <a:t>7/9/2014</a:t>
+            </a:fld>
+            <a:endParaRPr lang="en-US"/>
+          </a:p>
+        </p:txBody>
+      </p:sp>
+      <p:sp>
+        <p:nvSpPr>
+          <p:cNvPr id="3" name="Footer Placeholder 2"/>
+          <p:cNvSpPr>
+            <a:spLocks noGrp="1"/>
+          </p:cNvSpPr>
+          <p:nvPr>
+            <p:ph type="ftr" sz="quarter" idx="11"/>
+          </p:nvPr>
+        </p:nvSpPr>
+        <p:spPr/>
+        <p:txBody>
+          <a:bodyPr/>
+          <a:lstStyle/>
+          <a:p>
+            <a:endParaRPr lang="en-US"/>
+          </a:p>
+        </p:txBody>
+      </p:sp>
+      <p:sp>
+        <p:nvSpPr>
+          <p:cNvPr id="4" name="Slide Number Placeholder 3"/>
+          <p:cNvSpPr>
+            <a:spLocks noGrp="1"/>
+          </p:cNvSpPr>
+          <p:nvPr>
+            <p:ph type="sldNum" sz="quarter" idx="12"/>
+          </p:nvPr>
+        </p:nvSpPr>
+        <p:spPr/>
+        <p:txBody>
+          <a:bodyPr/>
+          <a:lstStyle/>
+          <a:p>
+            <a:fld id="{4DB67BC3-2D99-4A4D-AE2B-B57B184F6E76}" type="slidenum">
+              <a:rPr lang="en-US" smtClean="0"/>
+              <a:t>‹#›</a:t>
+            </a:fld>
+            <a:endParaRPr lang="en-US"/>
+          </a:p>
+        </p:txBody>
+      </p:sp>
     </p:spTree>
+    <p:extLst>
+      <p:ext uri="{BB962C8B-B14F-4D97-AF65-F5344CB8AC3E}">
+        <p14:creationId xmlns:p14="http://schemas.microsoft.com/office/powerpoint/2010/main" val="737617869"/>
+      </p:ext>
+    </p:extLst>
   </p:cSld>
   <p:clrMapOvr>
     <a:masterClrMapping/>
@@ -2139,17 +3514,15 @@
         </p:nvSpPr>
         <p:spPr>
           <a:xfrm>
-            <a:off x="457200" y="792080"/>
-            <a:ext cx="2139696" cy="1261872"/>
+            <a:off x="457200" y="273050"/>
+            <a:ext cx="3008313" cy="1162050"/>
           </a:xfrm>
         </p:spPr>
         <p:txBody>
-          <a:bodyPr anchor="b">
-            <a:noAutofit/>
-          </a:bodyPr>
+          <a:bodyPr anchor="b"/>
           <a:lstStyle>
             <a:lvl1pPr algn="l">
-              <a:defRPr sz="2400" b="0"/>
+              <a:defRPr sz="2000" b="1"/>
             </a:lvl1pPr>
           </a:lstStyle>
           <a:p>
@@ -2157,7 +3530,7 @@
               <a:rPr lang="en-GB" smtClean="0"/>
               <a:t>Click to edit Master title style</a:t>
             </a:r>
-            <a:endParaRPr lang="en-US" dirty="0"/>
+            <a:endParaRPr lang="en-US"/>
           </a:p>
         </p:txBody>
       </p:sp>
@@ -2173,8 +3546,8 @@
         </p:nvSpPr>
         <p:spPr>
           <a:xfrm>
-            <a:off x="2971800" y="792080"/>
-            <a:ext cx="5715000" cy="5577840"/>
+            <a:off x="3575050" y="273050"/>
+            <a:ext cx="5111750" cy="5853113"/>
           </a:xfrm>
         </p:spPr>
         <p:txBody>
@@ -2242,7 +3615,7 @@
               <a:rPr lang="en-GB" smtClean="0"/>
               <a:t>Fifth level</a:t>
             </a:r>
-            <a:endParaRPr lang="en-US" dirty="0"/>
+            <a:endParaRPr lang="en-US"/>
           </a:p>
         </p:txBody>
       </p:sp>
@@ -2258,8 +3631,8 @@
         </p:nvSpPr>
         <p:spPr>
           <a:xfrm>
-            <a:off x="457201" y="2130552"/>
-            <a:ext cx="2139696" cy="4243615"/>
+            <a:off x="457200" y="1435100"/>
+            <a:ext cx="3008313" cy="4691063"/>
           </a:xfrm>
         </p:spPr>
         <p:txBody>
@@ -2311,42 +3684,77 @@
           </a:p>
         </p:txBody>
       </p:sp>
-      <p:cxnSp>
-        <p:nvCxnSpPr>
-          <p:cNvPr id="9" name="Straight Connector 8"/>
-          <p:cNvCxnSpPr/>
-          <p:nvPr/>
-        </p:nvCxnSpPr>
-        <p:spPr>
-          <a:xfrm rot="5400000">
-            <a:off x="-13116" y="3580206"/>
-            <a:ext cx="5577840" cy="1588"/>
-          </a:xfrm>
-          <a:prstGeom prst="line">
-            <a:avLst/>
-          </a:prstGeom>
-          <a:ln w="19050">
-            <a:solidFill>
-              <a:schemeClr val="tx2"/>
-            </a:solidFill>
-          </a:ln>
-        </p:spPr>
-        <p:style>
-          <a:lnRef idx="1">
-            <a:schemeClr val="accent1"/>
-          </a:lnRef>
-          <a:fillRef idx="0">
-            <a:schemeClr val="accent1"/>
-          </a:fillRef>
-          <a:effectRef idx="0">
-            <a:schemeClr val="accent1"/>
-          </a:effectRef>
-          <a:fontRef idx="minor">
-            <a:schemeClr val="tx1"/>
-          </a:fontRef>
-        </p:style>
-      </p:cxnSp>
+      <p:sp>
+        <p:nvSpPr>
+          <p:cNvPr id="5" name="Date Placeholder 4"/>
+          <p:cNvSpPr>
+            <a:spLocks noGrp="1"/>
+          </p:cNvSpPr>
+          <p:nvPr>
+            <p:ph type="dt" sz="half" idx="10"/>
+          </p:nvPr>
+        </p:nvSpPr>
+        <p:spPr/>
+        <p:txBody>
+          <a:bodyPr/>
+          <a:lstStyle/>
+          <a:p>
+            <a:fld id="{3E8CEB70-C80E-1048-86BD-76ABBAA6B3F4}" type="datetimeFigureOut">
+              <a:rPr lang="en-US" smtClean="0"/>
+              <a:t>7/9/2014</a:t>
+            </a:fld>
+            <a:endParaRPr lang="en-US"/>
+          </a:p>
+        </p:txBody>
+      </p:sp>
+      <p:sp>
+        <p:nvSpPr>
+          <p:cNvPr id="6" name="Footer Placeholder 5"/>
+          <p:cNvSpPr>
+            <a:spLocks noGrp="1"/>
+          </p:cNvSpPr>
+          <p:nvPr>
+            <p:ph type="ftr" sz="quarter" idx="11"/>
+          </p:nvPr>
+        </p:nvSpPr>
+        <p:spPr/>
+        <p:txBody>
+          <a:bodyPr/>
+          <a:lstStyle/>
+          <a:p>
+            <a:endParaRPr lang="en-US"/>
+          </a:p>
+        </p:txBody>
+      </p:sp>
+      <p:sp>
+        <p:nvSpPr>
+          <p:cNvPr id="7" name="Slide Number Placeholder 6"/>
+          <p:cNvSpPr>
+            <a:spLocks noGrp="1"/>
+          </p:cNvSpPr>
+          <p:nvPr>
+            <p:ph type="sldNum" sz="quarter" idx="12"/>
+          </p:nvPr>
+        </p:nvSpPr>
+        <p:spPr/>
+        <p:txBody>
+          <a:bodyPr/>
+          <a:lstStyle/>
+          <a:p>
+            <a:fld id="{4DB67BC3-2D99-4A4D-AE2B-B57B184F6E76}" type="slidenum">
+              <a:rPr lang="en-US" smtClean="0"/>
+              <a:t>‹#›</a:t>
+            </a:fld>
+            <a:endParaRPr lang="en-US"/>
+          </a:p>
+        </p:txBody>
+      </p:sp>
     </p:spTree>
+    <p:extLst>
+      <p:ext uri="{BB962C8B-B14F-4D97-AF65-F5344CB8AC3E}">
+        <p14:creationId xmlns:p14="http://schemas.microsoft.com/office/powerpoint/2010/main" val="1155776638"/>
+      </p:ext>
+    </p:extLst>
   </p:cSld>
   <p:clrMapOvr>
     <a:masterClrMapping/>
@@ -2383,17 +3791,15 @@
         </p:nvSpPr>
         <p:spPr>
           <a:xfrm>
-            <a:off x="457200" y="792480"/>
-            <a:ext cx="2142680" cy="1264920"/>
+            <a:off x="1792288" y="4800600"/>
+            <a:ext cx="5486400" cy="566738"/>
           </a:xfrm>
         </p:spPr>
         <p:txBody>
-          <a:bodyPr anchor="b">
-            <a:normAutofit/>
-          </a:bodyPr>
+          <a:bodyPr anchor="b"/>
           <a:lstStyle>
             <a:lvl1pPr algn="l">
-              <a:defRPr sz="2400" b="0"/>
+              <a:defRPr sz="2000" b="1"/>
             </a:lvl1pPr>
           </a:lstStyle>
           <a:p>
@@ -2401,7 +3807,7 @@
               <a:rPr lang="en-GB" smtClean="0"/>
               <a:t>Click to edit Master title style</a:t>
             </a:r>
-            <a:endParaRPr lang="en-US" dirty="0"/>
+            <a:endParaRPr lang="en-US"/>
           </a:p>
         </p:txBody>
       </p:sp>
@@ -2417,25 +3823,9 @@
         </p:nvSpPr>
         <p:spPr>
           <a:xfrm>
-            <a:off x="2858610" y="838201"/>
-            <a:ext cx="5904390" cy="5500456"/>
+            <a:off x="1792288" y="612775"/>
+            <a:ext cx="5486400" cy="4114800"/>
           </a:xfrm>
-          <a:solidFill>
-            <a:schemeClr val="bg2"/>
-          </a:solidFill>
-          <a:ln w="76200">
-            <a:solidFill>
-              <a:srgbClr val="FFFFFF"/>
-            </a:solidFill>
-            <a:miter lim="800000"/>
-          </a:ln>
-          <a:effectLst>
-            <a:outerShdw blurRad="50800" dist="12700" dir="5400000" algn="t" rotWithShape="0">
-              <a:prstClr val="black">
-                <a:alpha val="59000"/>
-              </a:prstClr>
-            </a:outerShdw>
-          </a:effectLst>
         </p:spPr>
         <p:txBody>
           <a:bodyPr/>
@@ -2478,11 +3868,7 @@
             </a:lvl9pPr>
           </a:lstStyle>
           <a:p>
-            <a:r>
-              <a:rPr lang="en-GB" smtClean="0"/>
-              <a:t>Drag picture to placeholder or click icon to add</a:t>
-            </a:r>
-            <a:endParaRPr lang="en-US" dirty="0"/>
+            <a:endParaRPr lang="en-US"/>
           </a:p>
         </p:txBody>
       </p:sp>
@@ -2498,8 +3884,8 @@
         </p:nvSpPr>
         <p:spPr>
           <a:xfrm>
-            <a:off x="457200" y="2133600"/>
-            <a:ext cx="2139696" cy="4242816"/>
+            <a:off x="1792288" y="5367338"/>
+            <a:ext cx="5486400" cy="804862"/>
           </a:xfrm>
         </p:spPr>
         <p:txBody>
@@ -2551,7 +3937,77 @@
           </a:p>
         </p:txBody>
       </p:sp>
+      <p:sp>
+        <p:nvSpPr>
+          <p:cNvPr id="5" name="Date Placeholder 4"/>
+          <p:cNvSpPr>
+            <a:spLocks noGrp="1"/>
+          </p:cNvSpPr>
+          <p:nvPr>
+            <p:ph type="dt" sz="half" idx="10"/>
+          </p:nvPr>
+        </p:nvSpPr>
+        <p:spPr/>
+        <p:txBody>
+          <a:bodyPr/>
+          <a:lstStyle/>
+          <a:p>
+            <a:fld id="{3E8CEB70-C80E-1048-86BD-76ABBAA6B3F4}" type="datetimeFigureOut">
+              <a:rPr lang="en-US" smtClean="0"/>
+              <a:t>7/9/2014</a:t>
+            </a:fld>
+            <a:endParaRPr lang="en-US"/>
+          </a:p>
+        </p:txBody>
+      </p:sp>
+      <p:sp>
+        <p:nvSpPr>
+          <p:cNvPr id="6" name="Footer Placeholder 5"/>
+          <p:cNvSpPr>
+            <a:spLocks noGrp="1"/>
+          </p:cNvSpPr>
+          <p:nvPr>
+            <p:ph type="ftr" sz="quarter" idx="11"/>
+          </p:nvPr>
+        </p:nvSpPr>
+        <p:spPr/>
+        <p:txBody>
+          <a:bodyPr/>
+          <a:lstStyle/>
+          <a:p>
+            <a:endParaRPr lang="en-US"/>
+          </a:p>
+        </p:txBody>
+      </p:sp>
+      <p:sp>
+        <p:nvSpPr>
+          <p:cNvPr id="7" name="Slide Number Placeholder 6"/>
+          <p:cNvSpPr>
+            <a:spLocks noGrp="1"/>
+          </p:cNvSpPr>
+          <p:nvPr>
+            <p:ph type="sldNum" sz="quarter" idx="12"/>
+          </p:nvPr>
+        </p:nvSpPr>
+        <p:spPr/>
+        <p:txBody>
+          <a:bodyPr/>
+          <a:lstStyle/>
+          <a:p>
+            <a:fld id="{4DB67BC3-2D99-4A4D-AE2B-B57B184F6E76}" type="slidenum">
+              <a:rPr lang="en-US" smtClean="0"/>
+              <a:t>‹#›</a:t>
+            </a:fld>
+            <a:endParaRPr lang="en-US"/>
+          </a:p>
+        </p:txBody>
+      </p:sp>
     </p:spTree>
+    <p:extLst>
+      <p:ext uri="{BB962C8B-B14F-4D97-AF65-F5344CB8AC3E}">
+        <p14:creationId xmlns:p14="http://schemas.microsoft.com/office/powerpoint/2010/main" val="2834678348"/>
+      </p:ext>
+    </p:extLst>
   </p:cSld>
   <p:clrMapOvr>
     <a:masterClrMapping/>
@@ -2560,6 +4016,516 @@
 </file>
 
 <file path=ppt/slideMasters/slideMaster1.xml><?xml version="1.0" encoding="utf-8"?>
+<p:sldMaster xmlns:a="http://schemas.openxmlformats.org/drawingml/2006/main" xmlns:r="http://schemas.openxmlformats.org/officeDocument/2006/relationships" xmlns:p="http://schemas.openxmlformats.org/presentationml/2006/main" preserve="1">
+  <p:cSld>
+    <p:bg>
+      <p:bgRef idx="1001">
+        <a:schemeClr val="bg1"/>
+      </p:bgRef>
+    </p:bg>
+    <p:spTree>
+      <p:nvGrpSpPr>
+        <p:cNvPr id="1" name=""/>
+        <p:cNvGrpSpPr/>
+        <p:nvPr/>
+      </p:nvGrpSpPr>
+      <p:grpSpPr>
+        <a:xfrm>
+          <a:off x="0" y="0"/>
+          <a:ext cx="0" cy="0"/>
+          <a:chOff x="0" y="0"/>
+          <a:chExt cx="0" cy="0"/>
+        </a:xfrm>
+      </p:grpSpPr>
+      <p:sp>
+        <p:nvSpPr>
+          <p:cNvPr id="2" name="Title Placeholder 1"/>
+          <p:cNvSpPr>
+            <a:spLocks noGrp="1"/>
+          </p:cNvSpPr>
+          <p:nvPr>
+            <p:ph type="title"/>
+          </p:nvPr>
+        </p:nvSpPr>
+        <p:spPr>
+          <a:xfrm>
+            <a:off x="457200" y="274638"/>
+            <a:ext cx="8229600" cy="1143000"/>
+          </a:xfrm>
+          <a:prstGeom prst="rect">
+            <a:avLst/>
+          </a:prstGeom>
+        </p:spPr>
+        <p:txBody>
+          <a:bodyPr vert="horz" lIns="91440" tIns="45720" rIns="91440" bIns="45720" rtlCol="0" anchor="ctr">
+            <a:normAutofit/>
+          </a:bodyPr>
+          <a:lstStyle/>
+          <a:p>
+            <a:r>
+              <a:rPr lang="en-GB" smtClean="0"/>
+              <a:t>Click to edit Master title style</a:t>
+            </a:r>
+            <a:endParaRPr lang="en-US"/>
+          </a:p>
+        </p:txBody>
+      </p:sp>
+      <p:sp>
+        <p:nvSpPr>
+          <p:cNvPr id="3" name="Text Placeholder 2"/>
+          <p:cNvSpPr>
+            <a:spLocks noGrp="1"/>
+          </p:cNvSpPr>
+          <p:nvPr>
+            <p:ph type="body" idx="1"/>
+          </p:nvPr>
+        </p:nvSpPr>
+        <p:spPr>
+          <a:xfrm>
+            <a:off x="457200" y="1600200"/>
+            <a:ext cx="8229600" cy="4525963"/>
+          </a:xfrm>
+          <a:prstGeom prst="rect">
+            <a:avLst/>
+          </a:prstGeom>
+        </p:spPr>
+        <p:txBody>
+          <a:bodyPr vert="horz" lIns="91440" tIns="45720" rIns="91440" bIns="45720" rtlCol="0">
+            <a:normAutofit/>
+          </a:bodyPr>
+          <a:lstStyle/>
+          <a:p>
+            <a:pPr lvl="0"/>
+            <a:r>
+              <a:rPr lang="en-GB" smtClean="0"/>
+              <a:t>Click to edit Master text styles</a:t>
+            </a:r>
+          </a:p>
+          <a:p>
+            <a:pPr lvl="1"/>
+            <a:r>
+              <a:rPr lang="en-GB" smtClean="0"/>
+              <a:t>Second level</a:t>
+            </a:r>
+          </a:p>
+          <a:p>
+            <a:pPr lvl="2"/>
+            <a:r>
+              <a:rPr lang="en-GB" smtClean="0"/>
+              <a:t>Third level</a:t>
+            </a:r>
+          </a:p>
+          <a:p>
+            <a:pPr lvl="3"/>
+            <a:r>
+              <a:rPr lang="en-GB" smtClean="0"/>
+              <a:t>Fourth level</a:t>
+            </a:r>
+          </a:p>
+          <a:p>
+            <a:pPr lvl="4"/>
+            <a:r>
+              <a:rPr lang="en-GB" smtClean="0"/>
+              <a:t>Fifth level</a:t>
+            </a:r>
+            <a:endParaRPr lang="en-US"/>
+          </a:p>
+        </p:txBody>
+      </p:sp>
+      <p:sp>
+        <p:nvSpPr>
+          <p:cNvPr id="4" name="Date Placeholder 3"/>
+          <p:cNvSpPr>
+            <a:spLocks noGrp="1"/>
+          </p:cNvSpPr>
+          <p:nvPr>
+            <p:ph type="dt" sz="half" idx="2"/>
+          </p:nvPr>
+        </p:nvSpPr>
+        <p:spPr>
+          <a:xfrm>
+            <a:off x="457200" y="6356350"/>
+            <a:ext cx="2133600" cy="365125"/>
+          </a:xfrm>
+          <a:prstGeom prst="rect">
+            <a:avLst/>
+          </a:prstGeom>
+        </p:spPr>
+        <p:txBody>
+          <a:bodyPr vert="horz" lIns="91440" tIns="45720" rIns="91440" bIns="45720" rtlCol="0" anchor="ctr"/>
+          <a:lstStyle>
+            <a:lvl1pPr algn="l">
+              <a:defRPr sz="1200">
+                <a:solidFill>
+                  <a:schemeClr val="tx1">
+                    <a:tint val="75000"/>
+                  </a:schemeClr>
+                </a:solidFill>
+              </a:defRPr>
+            </a:lvl1pPr>
+          </a:lstStyle>
+          <a:p>
+            <a:fld id="{3E8CEB70-C80E-1048-86BD-76ABBAA6B3F4}" type="datetimeFigureOut">
+              <a:rPr lang="en-US" smtClean="0"/>
+              <a:t>7/9/2014</a:t>
+            </a:fld>
+            <a:endParaRPr lang="en-US"/>
+          </a:p>
+        </p:txBody>
+      </p:sp>
+      <p:sp>
+        <p:nvSpPr>
+          <p:cNvPr id="5" name="Footer Placeholder 4"/>
+          <p:cNvSpPr>
+            <a:spLocks noGrp="1"/>
+          </p:cNvSpPr>
+          <p:nvPr>
+            <p:ph type="ftr" sz="quarter" idx="3"/>
+          </p:nvPr>
+        </p:nvSpPr>
+        <p:spPr>
+          <a:xfrm>
+            <a:off x="3124200" y="6356350"/>
+            <a:ext cx="2895600" cy="365125"/>
+          </a:xfrm>
+          <a:prstGeom prst="rect">
+            <a:avLst/>
+          </a:prstGeom>
+        </p:spPr>
+        <p:txBody>
+          <a:bodyPr vert="horz" lIns="91440" tIns="45720" rIns="91440" bIns="45720" rtlCol="0" anchor="ctr"/>
+          <a:lstStyle>
+            <a:lvl1pPr algn="ctr">
+              <a:defRPr sz="1200">
+                <a:solidFill>
+                  <a:schemeClr val="tx1">
+                    <a:tint val="75000"/>
+                  </a:schemeClr>
+                </a:solidFill>
+              </a:defRPr>
+            </a:lvl1pPr>
+          </a:lstStyle>
+          <a:p>
+            <a:endParaRPr lang="en-US"/>
+          </a:p>
+        </p:txBody>
+      </p:sp>
+      <p:sp>
+        <p:nvSpPr>
+          <p:cNvPr id="6" name="Slide Number Placeholder 5"/>
+          <p:cNvSpPr>
+            <a:spLocks noGrp="1"/>
+          </p:cNvSpPr>
+          <p:nvPr>
+            <p:ph type="sldNum" sz="quarter" idx="4"/>
+          </p:nvPr>
+        </p:nvSpPr>
+        <p:spPr>
+          <a:xfrm>
+            <a:off x="6553200" y="6356350"/>
+            <a:ext cx="2133600" cy="365125"/>
+          </a:xfrm>
+          <a:prstGeom prst="rect">
+            <a:avLst/>
+          </a:prstGeom>
+        </p:spPr>
+        <p:txBody>
+          <a:bodyPr vert="horz" lIns="91440" tIns="45720" rIns="91440" bIns="45720" rtlCol="0" anchor="ctr"/>
+          <a:lstStyle>
+            <a:lvl1pPr algn="r">
+              <a:defRPr sz="1200">
+                <a:solidFill>
+                  <a:schemeClr val="tx1">
+                    <a:tint val="75000"/>
+                  </a:schemeClr>
+                </a:solidFill>
+              </a:defRPr>
+            </a:lvl1pPr>
+          </a:lstStyle>
+          <a:p>
+            <a:fld id="{4DB67BC3-2D99-4A4D-AE2B-B57B184F6E76}" type="slidenum">
+              <a:rPr lang="en-US" smtClean="0"/>
+              <a:t>‹#›</a:t>
+            </a:fld>
+            <a:endParaRPr lang="en-US"/>
+          </a:p>
+        </p:txBody>
+      </p:sp>
+    </p:spTree>
+    <p:extLst>
+      <p:ext uri="{BB962C8B-B14F-4D97-AF65-F5344CB8AC3E}">
+        <p14:creationId xmlns:p14="http://schemas.microsoft.com/office/powerpoint/2010/main" val="722238841"/>
+      </p:ext>
+    </p:extLst>
+  </p:cSld>
+  <p:clrMap bg1="lt1" tx1="dk1" bg2="lt2" tx2="dk2" accent1="accent1" accent2="accent2" accent3="accent3" accent4="accent4" accent5="accent5" accent6="accent6" hlink="hlink" folHlink="folHlink"/>
+  <p:sldLayoutIdLst>
+    <p:sldLayoutId id="2147483778" r:id="rId1"/>
+    <p:sldLayoutId id="2147483779" r:id="rId2"/>
+    <p:sldLayoutId id="2147483780" r:id="rId3"/>
+    <p:sldLayoutId id="2147483781" r:id="rId4"/>
+    <p:sldLayoutId id="2147483782" r:id="rId5"/>
+    <p:sldLayoutId id="2147483783" r:id="rId6"/>
+    <p:sldLayoutId id="2147483784" r:id="rId7"/>
+    <p:sldLayoutId id="2147483785" r:id="rId8"/>
+    <p:sldLayoutId id="2147483786" r:id="rId9"/>
+    <p:sldLayoutId id="2147483787" r:id="rId10"/>
+    <p:sldLayoutId id="2147483788" r:id="rId11"/>
+  </p:sldLayoutIdLst>
+  <p:txStyles>
+    <p:titleStyle>
+      <a:lvl1pPr algn="ctr" defTabSz="457200" rtl="0" eaLnBrk="1" latinLnBrk="0" hangingPunct="1">
+        <a:spcBef>
+          <a:spcPct val="0"/>
+        </a:spcBef>
+        <a:buNone/>
+        <a:defRPr sz="4400" kern="1200">
+          <a:solidFill>
+            <a:schemeClr val="tx1"/>
+          </a:solidFill>
+          <a:latin typeface="+mj-lt"/>
+          <a:ea typeface="+mj-ea"/>
+          <a:cs typeface="+mj-cs"/>
+        </a:defRPr>
+      </a:lvl1pPr>
+    </p:titleStyle>
+    <p:bodyStyle>
+      <a:lvl1pPr marL="342900" indent="-342900" algn="l" defTabSz="457200" rtl="0" eaLnBrk="1" latinLnBrk="0" hangingPunct="1">
+        <a:spcBef>
+          <a:spcPct val="20000"/>
+        </a:spcBef>
+        <a:buFont typeface="Arial"/>
+        <a:buChar char="•"/>
+        <a:defRPr sz="3200" kern="1200">
+          <a:solidFill>
+            <a:schemeClr val="tx1"/>
+          </a:solidFill>
+          <a:latin typeface="+mn-lt"/>
+          <a:ea typeface="+mn-ea"/>
+          <a:cs typeface="+mn-cs"/>
+        </a:defRPr>
+      </a:lvl1pPr>
+      <a:lvl2pPr marL="742950" indent="-285750" algn="l" defTabSz="457200" rtl="0" eaLnBrk="1" latinLnBrk="0" hangingPunct="1">
+        <a:spcBef>
+          <a:spcPct val="20000"/>
+        </a:spcBef>
+        <a:buFont typeface="Arial"/>
+        <a:buChar char="–"/>
+        <a:defRPr sz="2800" kern="1200">
+          <a:solidFill>
+            <a:schemeClr val="tx1"/>
+          </a:solidFill>
+          <a:latin typeface="+mn-lt"/>
+          <a:ea typeface="+mn-ea"/>
+          <a:cs typeface="+mn-cs"/>
+        </a:defRPr>
+      </a:lvl2pPr>
+      <a:lvl3pPr marL="1143000" indent="-228600" algn="l" defTabSz="457200" rtl="0" eaLnBrk="1" latinLnBrk="0" hangingPunct="1">
+        <a:spcBef>
+          <a:spcPct val="20000"/>
+        </a:spcBef>
+        <a:buFont typeface="Arial"/>
+        <a:buChar char="•"/>
+        <a:defRPr sz="2400" kern="1200">
+          <a:solidFill>
+            <a:schemeClr val="tx1"/>
+          </a:solidFill>
+          <a:latin typeface="+mn-lt"/>
+          <a:ea typeface="+mn-ea"/>
+          <a:cs typeface="+mn-cs"/>
+        </a:defRPr>
+      </a:lvl3pPr>
+      <a:lvl4pPr marL="1600200" indent="-228600" algn="l" defTabSz="457200" rtl="0" eaLnBrk="1" latinLnBrk="0" hangingPunct="1">
+        <a:spcBef>
+          <a:spcPct val="20000"/>
+        </a:spcBef>
+        <a:buFont typeface="Arial"/>
+        <a:buChar char="–"/>
+        <a:defRPr sz="2000" kern="1200">
+          <a:solidFill>
+            <a:schemeClr val="tx1"/>
+          </a:solidFill>
+          <a:latin typeface="+mn-lt"/>
+          <a:ea typeface="+mn-ea"/>
+          <a:cs typeface="+mn-cs"/>
+        </a:defRPr>
+      </a:lvl4pPr>
+      <a:lvl5pPr marL="2057400" indent="-228600" algn="l" defTabSz="457200" rtl="0" eaLnBrk="1" latinLnBrk="0" hangingPunct="1">
+        <a:spcBef>
+          <a:spcPct val="20000"/>
+        </a:spcBef>
+        <a:buFont typeface="Arial"/>
+        <a:buChar char="»"/>
+        <a:defRPr sz="2000" kern="1200">
+          <a:solidFill>
+            <a:schemeClr val="tx1"/>
+          </a:solidFill>
+          <a:latin typeface="+mn-lt"/>
+          <a:ea typeface="+mn-ea"/>
+          <a:cs typeface="+mn-cs"/>
+        </a:defRPr>
+      </a:lvl5pPr>
+      <a:lvl6pPr marL="2514600" indent="-228600" algn="l" defTabSz="457200" rtl="0" eaLnBrk="1" latinLnBrk="0" hangingPunct="1">
+        <a:spcBef>
+          <a:spcPct val="20000"/>
+        </a:spcBef>
+        <a:buFont typeface="Arial"/>
+        <a:buChar char="•"/>
+        <a:defRPr sz="2000" kern="1200">
+          <a:solidFill>
+            <a:schemeClr val="tx1"/>
+          </a:solidFill>
+          <a:latin typeface="+mn-lt"/>
+          <a:ea typeface="+mn-ea"/>
+          <a:cs typeface="+mn-cs"/>
+        </a:defRPr>
+      </a:lvl6pPr>
+      <a:lvl7pPr marL="2971800" indent="-228600" algn="l" defTabSz="457200" rtl="0" eaLnBrk="1" latinLnBrk="0" hangingPunct="1">
+        <a:spcBef>
+          <a:spcPct val="20000"/>
+        </a:spcBef>
+        <a:buFont typeface="Arial"/>
+        <a:buChar char="•"/>
+        <a:defRPr sz="2000" kern="1200">
+          <a:solidFill>
+            <a:schemeClr val="tx1"/>
+          </a:solidFill>
+          <a:latin typeface="+mn-lt"/>
+          <a:ea typeface="+mn-ea"/>
+          <a:cs typeface="+mn-cs"/>
+        </a:defRPr>
+      </a:lvl7pPr>
+      <a:lvl8pPr marL="3429000" indent="-228600" algn="l" defTabSz="457200" rtl="0" eaLnBrk="1" latinLnBrk="0" hangingPunct="1">
+        <a:spcBef>
+          <a:spcPct val="20000"/>
+        </a:spcBef>
+        <a:buFont typeface="Arial"/>
+        <a:buChar char="•"/>
+        <a:defRPr sz="2000" kern="1200">
+          <a:solidFill>
+            <a:schemeClr val="tx1"/>
+          </a:solidFill>
+          <a:latin typeface="+mn-lt"/>
+          <a:ea typeface="+mn-ea"/>
+          <a:cs typeface="+mn-cs"/>
+        </a:defRPr>
+      </a:lvl8pPr>
+      <a:lvl9pPr marL="3886200" indent="-228600" algn="l" defTabSz="457200" rtl="0" eaLnBrk="1" latinLnBrk="0" hangingPunct="1">
+        <a:spcBef>
+          <a:spcPct val="20000"/>
+        </a:spcBef>
+        <a:buFont typeface="Arial"/>
+        <a:buChar char="•"/>
+        <a:defRPr sz="2000" kern="1200">
+          <a:solidFill>
+            <a:schemeClr val="tx1"/>
+          </a:solidFill>
+          <a:latin typeface="+mn-lt"/>
+          <a:ea typeface="+mn-ea"/>
+          <a:cs typeface="+mn-cs"/>
+        </a:defRPr>
+      </a:lvl9pPr>
+    </p:bodyStyle>
+    <p:otherStyle>
+      <a:defPPr>
+        <a:defRPr lang="en-US"/>
+      </a:defPPr>
+      <a:lvl1pPr marL="0" algn="l" defTabSz="457200" rtl="0" eaLnBrk="1" latinLnBrk="0" hangingPunct="1">
+        <a:defRPr sz="1800" kern="1200">
+          <a:solidFill>
+            <a:schemeClr val="tx1"/>
+          </a:solidFill>
+          <a:latin typeface="+mn-lt"/>
+          <a:ea typeface="+mn-ea"/>
+          <a:cs typeface="+mn-cs"/>
+        </a:defRPr>
+      </a:lvl1pPr>
+      <a:lvl2pPr marL="457200" algn="l" defTabSz="457200" rtl="0" eaLnBrk="1" latinLnBrk="0" hangingPunct="1">
+        <a:defRPr sz="1800" kern="1200">
+          <a:solidFill>
+            <a:schemeClr val="tx1"/>
+          </a:solidFill>
+          <a:latin typeface="+mn-lt"/>
+          <a:ea typeface="+mn-ea"/>
+          <a:cs typeface="+mn-cs"/>
+        </a:defRPr>
+      </a:lvl2pPr>
+      <a:lvl3pPr marL="914400" algn="l" defTabSz="457200" rtl="0" eaLnBrk="1" latinLnBrk="0" hangingPunct="1">
+        <a:defRPr sz="1800" kern="1200">
+          <a:solidFill>
+            <a:schemeClr val="tx1"/>
+          </a:solidFill>
+          <a:latin typeface="+mn-lt"/>
+          <a:ea typeface="+mn-ea"/>
+          <a:cs typeface="+mn-cs"/>
+        </a:defRPr>
+      </a:lvl3pPr>
+      <a:lvl4pPr marL="1371600" algn="l" defTabSz="457200" rtl="0" eaLnBrk="1" latinLnBrk="0" hangingPunct="1">
+        <a:defRPr sz="1800" kern="1200">
+          <a:solidFill>
+            <a:schemeClr val="tx1"/>
+          </a:solidFill>
+          <a:latin typeface="+mn-lt"/>
+          <a:ea typeface="+mn-ea"/>
+          <a:cs typeface="+mn-cs"/>
+        </a:defRPr>
+      </a:lvl4pPr>
+      <a:lvl5pPr marL="1828800" algn="l" defTabSz="457200" rtl="0" eaLnBrk="1" latinLnBrk="0" hangingPunct="1">
+        <a:defRPr sz="1800" kern="1200">
+          <a:solidFill>
+            <a:schemeClr val="tx1"/>
+          </a:solidFill>
+          <a:latin typeface="+mn-lt"/>
+          <a:ea typeface="+mn-ea"/>
+          <a:cs typeface="+mn-cs"/>
+        </a:defRPr>
+      </a:lvl5pPr>
+      <a:lvl6pPr marL="2286000" algn="l" defTabSz="457200" rtl="0" eaLnBrk="1" latinLnBrk="0" hangingPunct="1">
+        <a:defRPr sz="1800" kern="1200">
+          <a:solidFill>
+            <a:schemeClr val="tx1"/>
+          </a:solidFill>
+          <a:latin typeface="+mn-lt"/>
+          <a:ea typeface="+mn-ea"/>
+          <a:cs typeface="+mn-cs"/>
+        </a:defRPr>
+      </a:lvl6pPr>
+      <a:lvl7pPr marL="2743200" algn="l" defTabSz="457200" rtl="0" eaLnBrk="1" latinLnBrk="0" hangingPunct="1">
+        <a:defRPr sz="1800" kern="1200">
+          <a:solidFill>
+            <a:schemeClr val="tx1"/>
+          </a:solidFill>
+          <a:latin typeface="+mn-lt"/>
+          <a:ea typeface="+mn-ea"/>
+          <a:cs typeface="+mn-cs"/>
+        </a:defRPr>
+      </a:lvl7pPr>
+      <a:lvl8pPr marL="3200400" algn="l" defTabSz="457200" rtl="0" eaLnBrk="1" latinLnBrk="0" hangingPunct="1">
+        <a:defRPr sz="1800" kern="1200">
+          <a:solidFill>
+            <a:schemeClr val="tx1"/>
+          </a:solidFill>
+          <a:latin typeface="+mn-lt"/>
+          <a:ea typeface="+mn-ea"/>
+          <a:cs typeface="+mn-cs"/>
+        </a:defRPr>
+      </a:lvl8pPr>
+      <a:lvl9pPr marL="3657600" algn="l" defTabSz="457200" rtl="0" eaLnBrk="1" latinLnBrk="0" hangingPunct="1">
+        <a:defRPr sz="1800" kern="1200">
+          <a:solidFill>
+            <a:schemeClr val="tx1"/>
+          </a:solidFill>
+          <a:latin typeface="+mn-lt"/>
+          <a:ea typeface="+mn-ea"/>
+          <a:cs typeface="+mn-cs"/>
+        </a:defRPr>
+      </a:lvl9pPr>
+    </p:otherStyle>
+  </p:txStyles>
+</p:sldMaster>
+</file>
+
+<file path=ppt/slideMasters/slideMaster2.xml><?xml version="1.0" encoding="utf-8"?>
 <p:sldMaster xmlns:a="http://schemas.openxmlformats.org/drawingml/2006/main" xmlns:r="http://schemas.openxmlformats.org/officeDocument/2006/relationships" xmlns:p="http://schemas.openxmlformats.org/presentationml/2006/main">
   <p:cSld>
     <p:bg>
@@ -2777,7 +4743,7 @@
           <p:nvPr/>
         </p:nvPicPr>
         <p:blipFill>
-          <a:blip r:embed="rId13">
+          <a:blip r:embed="rId7">
             <a:extLst>
               <a:ext uri="{28A0092B-C50C-407E-A947-70E740481C1C}">
                 <a14:useLocalDpi xmlns:a14="http://schemas.microsoft.com/office/drawing/2010/main" val="0"/>
@@ -2807,7 +4773,7 @@
           <p:nvPr/>
         </p:nvPicPr>
         <p:blipFill>
-          <a:blip r:embed="rId14">
+          <a:blip r:embed="rId8">
             <a:extLst>
               <a:ext uri="{28A0092B-C50C-407E-A947-70E740481C1C}">
                 <a14:useLocalDpi xmlns:a14="http://schemas.microsoft.com/office/drawing/2010/main" val="0"/>
@@ -2837,7 +4803,7 @@
           <p:nvPr/>
         </p:nvPicPr>
         <p:blipFill>
-          <a:blip r:embed="rId15">
+          <a:blip r:embed="rId9">
             <a:extLst>
               <a:ext uri="{28A0092B-C50C-407E-A947-70E740481C1C}">
                 <a14:useLocalDpi xmlns:a14="http://schemas.microsoft.com/office/drawing/2010/main" val="0"/>
@@ -2858,21 +4824,64 @@
           </a:prstGeom>
         </p:spPr>
       </p:pic>
+      <p:pic>
+        <p:nvPicPr>
+          <p:cNvPr id="12" name="Picture 11" descr="U:\Docs\logos\swclogo.png"/>
+          <p:cNvPicPr>
+            <a:picLocks noChangeAspect="1" noChangeArrowheads="1"/>
+          </p:cNvPicPr>
+          <p:nvPr userDrawn="1"/>
+        </p:nvPicPr>
+        <p:blipFill>
+          <a:blip r:embed="rId10">
+            <a:extLst>
+              <a:ext uri="{28A0092B-C50C-407E-A947-70E740481C1C}">
+                <a14:useLocalDpi xmlns:a14="http://schemas.microsoft.com/office/drawing/2010/main" val="0"/>
+              </a:ext>
+            </a:extLst>
+          </a:blip>
+          <a:srcRect/>
+          <a:stretch>
+            <a:fillRect/>
+          </a:stretch>
+        </p:blipFill>
+        <p:spPr bwMode="auto">
+          <a:xfrm>
+            <a:off x="3050017" y="5910021"/>
+            <a:ext cx="3070603" cy="621346"/>
+          </a:xfrm>
+          <a:prstGeom prst="rect">
+            <a:avLst/>
+          </a:prstGeom>
+          <a:solidFill>
+            <a:schemeClr val="bg1"/>
+          </a:solidFill>
+          <a:ln>
+            <a:noFill/>
+          </a:ln>
+          <a:extLst>
+            <a:ext uri="{91240B29-F687-4F45-9708-019B960494DF}">
+              <a14:hiddenLine xmlns:a14="http://schemas.microsoft.com/office/drawing/2010/main" w="9525">
+                <a:solidFill>
+                  <a:srgbClr val="000000"/>
+                </a:solidFill>
+                <a:miter lim="800000"/>
+                <a:headEnd/>
+                <a:tailEnd/>
+              </a14:hiddenLine>
+            </a:ext>
+          </a:extLst>
+        </p:spPr>
+      </p:pic>
     </p:spTree>
   </p:cSld>
   <p:clrMap bg1="lt1" tx1="dk1" bg2="lt2" tx2="dk2" accent1="accent1" accent2="accent2" accent3="accent3" accent4="accent4" accent5="accent5" accent6="accent6" hlink="hlink" folHlink="folHlink"/>
   <p:sldLayoutIdLst>
-    <p:sldLayoutId id="2147483661" r:id="rId1"/>
-    <p:sldLayoutId id="2147483662" r:id="rId2"/>
-    <p:sldLayoutId id="2147483663" r:id="rId3"/>
-    <p:sldLayoutId id="2147483664" r:id="rId4"/>
-    <p:sldLayoutId id="2147483665" r:id="rId5"/>
-    <p:sldLayoutId id="2147483666" r:id="rId6"/>
-    <p:sldLayoutId id="2147483667" r:id="rId7"/>
-    <p:sldLayoutId id="2147483668" r:id="rId8"/>
-    <p:sldLayoutId id="2147483669" r:id="rId9"/>
-    <p:sldLayoutId id="2147483670" r:id="rId10"/>
-    <p:sldLayoutId id="2147483671" r:id="rId11"/>
+    <p:sldLayoutId id="2147483814" r:id="rId1"/>
+    <p:sldLayoutId id="2147483815" r:id="rId2"/>
+    <p:sldLayoutId id="2147483817" r:id="rId3"/>
+    <p:sldLayoutId id="2147483819" r:id="rId4"/>
+    <p:sldLayoutId id="2147483820" r:id="rId5"/>
   </p:sldLayoutIdLst>
   <p:txStyles>
     <p:titleStyle>
@@ -3193,85 +5202,55 @@
           <a:lstStyle/>
           <a:p>
             <a:r>
+              <a:rPr lang="en-US" sz="4400" cap="none" dirty="0" smtClean="0"/>
+              <a:t>Title</a:t>
+            </a:r>
+            <a:endParaRPr lang="en-US" sz="4400" cap="none" dirty="0"/>
+          </a:p>
+        </p:txBody>
+      </p:sp>
+      <p:sp>
+        <p:nvSpPr>
+          <p:cNvPr id="3" name="Subtitle 2"/>
+          <p:cNvSpPr>
+            <a:spLocks noGrp="1"/>
+          </p:cNvSpPr>
+          <p:nvPr>
+            <p:ph type="subTitle" idx="1"/>
+          </p:nvPr>
+        </p:nvSpPr>
+        <p:spPr>
+          <a:xfrm>
+            <a:off x="2130083" y="3312277"/>
+            <a:ext cx="6400800" cy="885015"/>
+          </a:xfrm>
+        </p:spPr>
+        <p:txBody>
+          <a:bodyPr>
+            <a:normAutofit lnSpcReduction="10000"/>
+          </a:bodyPr>
+          <a:lstStyle/>
+          <a:p>
+            <a:pPr algn="r"/>
+            <a:r>
               <a:rPr lang="en-US" dirty="0" smtClean="0"/>
-              <a:t>Title</a:t>
+              <a:t>You, </a:t>
+            </a:r>
+            <a:r>
+              <a:rPr lang="en-US" dirty="0" smtClean="0"/>
+              <a:t>ARCHER CSE Team</a:t>
+            </a:r>
+          </a:p>
+          <a:p>
+            <a:pPr algn="r"/>
+            <a:r>
+              <a:rPr lang="en-US" dirty="0" smtClean="0"/>
+              <a:t>you@epcc.ed.ac.uk</a:t>
             </a:r>
             <a:endParaRPr lang="en-US" dirty="0"/>
           </a:p>
         </p:txBody>
       </p:sp>
-      <p:sp>
-        <p:nvSpPr>
-          <p:cNvPr id="3" name="Subtitle 2"/>
-          <p:cNvSpPr>
-            <a:spLocks noGrp="1"/>
-          </p:cNvSpPr>
-          <p:nvPr>
-            <p:ph type="subTitle" idx="1"/>
-          </p:nvPr>
-        </p:nvSpPr>
-        <p:spPr/>
-        <p:txBody>
-          <a:bodyPr/>
-          <a:lstStyle/>
-          <a:p>
-            <a:r>
-              <a:rPr lang="en-US" dirty="0" smtClean="0"/>
-              <a:t>Sub-title</a:t>
-            </a:r>
-            <a:endParaRPr lang="en-US" dirty="0"/>
-          </a:p>
-        </p:txBody>
-      </p:sp>
-      <p:pic>
-        <p:nvPicPr>
-          <p:cNvPr id="4" name="Picture 3" descr="U:\Docs\logos\swclogo.png"/>
-          <p:cNvPicPr>
-            <a:picLocks noChangeAspect="1" noChangeArrowheads="1"/>
-          </p:cNvPicPr>
-          <p:nvPr/>
-        </p:nvPicPr>
-        <p:blipFill>
-          <a:blip r:embed="rId2">
-            <a:extLst>
-              <a:ext uri="{28A0092B-C50C-407E-A947-70E740481C1C}">
-                <a14:useLocalDpi xmlns:a14="http://schemas.microsoft.com/office/drawing/2010/main" val="0"/>
-              </a:ext>
-            </a:extLst>
-          </a:blip>
-          <a:srcRect/>
-          <a:stretch>
-            <a:fillRect/>
-          </a:stretch>
-        </p:blipFill>
-        <p:spPr bwMode="auto">
-          <a:xfrm>
-            <a:off x="6002767" y="4947996"/>
-            <a:ext cx="3070603" cy="621346"/>
-          </a:xfrm>
-          <a:prstGeom prst="rect">
-            <a:avLst/>
-          </a:prstGeom>
-          <a:solidFill>
-            <a:schemeClr val="bg1"/>
-          </a:solidFill>
-          <a:ln>
-            <a:noFill/>
-          </a:ln>
-          <a:extLst>
-            <a:ext uri="{91240B29-F687-4F45-9708-019B960494DF}">
-              <a14:hiddenLine xmlns:a14="http://schemas.microsoft.com/office/drawing/2010/main" w="9525">
-                <a:solidFill>
-                  <a:srgbClr val="000000"/>
-                </a:solidFill>
-                <a:miter lim="800000"/>
-                <a:headEnd/>
-                <a:tailEnd/>
-              </a14:hiddenLine>
-            </a:ext>
-          </a:extLst>
-        </p:spPr>
-      </p:pic>
     </p:spTree>
     <p:extLst>
       <p:ext uri="{BB962C8B-B14F-4D97-AF65-F5344CB8AC3E}">
@@ -3466,13 +5445,20 @@
     </p:spTree>
     <p:extLst>
       <p:ext uri="{BB962C8B-B14F-4D97-AF65-F5344CB8AC3E}">
-        <p14:creationId xmlns:p14="http://schemas.microsoft.com/office/powerpoint/2010/main" val="1829462070"/>
+        <p14:creationId xmlns:p14="http://schemas.microsoft.com/office/powerpoint/2010/main" val="686172510"/>
       </p:ext>
     </p:extLst>
   </p:cSld>
   <p:clrMapOvr>
     <a:masterClrMapping/>
   </p:clrMapOvr>
+  <p:timing>
+    <p:tnLst>
+      <p:par>
+        <p:cTn id="1" dur="indefinite" restart="never" nodeType="tmRoot"/>
+      </p:par>
+    </p:tnLst>
+  </p:timing>
 </p:sld>
 </file>
 
@@ -3493,58 +5479,659 @@
           <a:chExt cx="0" cy="0"/>
         </a:xfrm>
       </p:grpSpPr>
-      <p:sp>
-        <p:nvSpPr>
-          <p:cNvPr id="2" name="Title 1"/>
-          <p:cNvSpPr>
-            <a:spLocks noGrp="1"/>
-          </p:cNvSpPr>
-          <p:nvPr>
-            <p:ph type="title"/>
-          </p:nvPr>
-        </p:nvSpPr>
-        <p:spPr/>
-        <p:txBody>
-          <a:bodyPr/>
+      <p:pic>
+        <p:nvPicPr>
+          <p:cNvPr id="4" name="Picture 3" descr="epsrclogo.png"/>
+          <p:cNvPicPr>
+            <a:picLocks noChangeAspect="1"/>
+          </p:cNvPicPr>
+          <p:nvPr/>
+        </p:nvPicPr>
+        <p:blipFill>
+          <a:blip r:embed="rId2">
+            <a:extLst>
+              <a:ext uri="{28A0092B-C50C-407E-A947-70E740481C1C}">
+                <a14:useLocalDpi xmlns:a14="http://schemas.microsoft.com/office/drawing/2010/main" val="0"/>
+              </a:ext>
+            </a:extLst>
+          </a:blip>
+          <a:stretch>
+            <a:fillRect/>
+          </a:stretch>
+        </p:blipFill>
+        <p:spPr>
+          <a:xfrm>
+            <a:off x="1709460" y="1454888"/>
+            <a:ext cx="2621280" cy="877824"/>
+          </a:xfrm>
+          <a:prstGeom prst="rect">
+            <a:avLst/>
+          </a:prstGeom>
+        </p:spPr>
+      </p:pic>
+      <p:pic>
+        <p:nvPicPr>
+          <p:cNvPr id="5" name="Picture 4" descr="nerclogo.png"/>
+          <p:cNvPicPr>
+            <a:picLocks noChangeAspect="1"/>
+          </p:cNvPicPr>
+          <p:nvPr/>
+        </p:nvPicPr>
+        <p:blipFill>
+          <a:blip r:embed="rId3">
+            <a:extLst>
+              <a:ext uri="{28A0092B-C50C-407E-A947-70E740481C1C}">
+                <a14:useLocalDpi xmlns:a14="http://schemas.microsoft.com/office/drawing/2010/main" val="0"/>
+              </a:ext>
+            </a:extLst>
+          </a:blip>
+          <a:stretch>
+            <a:fillRect/>
+          </a:stretch>
+        </p:blipFill>
+        <p:spPr>
+          <a:xfrm>
+            <a:off x="4908498" y="1591724"/>
+            <a:ext cx="2548128" cy="524256"/>
+          </a:xfrm>
+          <a:prstGeom prst="rect">
+            <a:avLst/>
+          </a:prstGeom>
+        </p:spPr>
+      </p:pic>
+      <p:pic>
+        <p:nvPicPr>
+          <p:cNvPr id="6" name="Picture 5" descr="craylogo.png"/>
+          <p:cNvPicPr>
+            <a:picLocks noChangeAspect="1"/>
+          </p:cNvPicPr>
+          <p:nvPr/>
+        </p:nvPicPr>
+        <p:blipFill>
+          <a:blip r:embed="rId4">
+            <a:extLst>
+              <a:ext uri="{28A0092B-C50C-407E-A947-70E740481C1C}">
+                <a14:useLocalDpi xmlns:a14="http://schemas.microsoft.com/office/drawing/2010/main" val="0"/>
+              </a:ext>
+            </a:extLst>
+          </a:blip>
+          <a:stretch>
+            <a:fillRect/>
+          </a:stretch>
+        </p:blipFill>
+        <p:spPr>
+          <a:xfrm>
+            <a:off x="615707" y="3071573"/>
+            <a:ext cx="2816352" cy="536448"/>
+          </a:xfrm>
+          <a:prstGeom prst="rect">
+            <a:avLst/>
+          </a:prstGeom>
+        </p:spPr>
+      </p:pic>
+      <p:pic>
+        <p:nvPicPr>
+          <p:cNvPr id="7" name="Picture 6" descr="epcc_logo.png"/>
+          <p:cNvPicPr>
+            <a:picLocks noChangeAspect="1"/>
+          </p:cNvPicPr>
+          <p:nvPr/>
+        </p:nvPicPr>
+        <p:blipFill>
+          <a:blip r:embed="rId5">
+            <a:extLst>
+              <a:ext uri="{28A0092B-C50C-407E-A947-70E740481C1C}">
+                <a14:useLocalDpi xmlns:a14="http://schemas.microsoft.com/office/drawing/2010/main" val="0"/>
+              </a:ext>
+            </a:extLst>
+          </a:blip>
+          <a:stretch>
+            <a:fillRect/>
+          </a:stretch>
+        </p:blipFill>
+        <p:spPr>
+          <a:xfrm>
+            <a:off x="3882710" y="2771929"/>
+            <a:ext cx="2575751" cy="836092"/>
+          </a:xfrm>
+          <a:prstGeom prst="rect">
+            <a:avLst/>
+          </a:prstGeom>
+        </p:spPr>
+      </p:pic>
+      <p:pic>
+        <p:nvPicPr>
+          <p:cNvPr id="8" name="Picture 7" descr="uoe_logo.png"/>
+          <p:cNvPicPr>
+            <a:picLocks noChangeAspect="1"/>
+          </p:cNvPicPr>
+          <p:nvPr/>
+        </p:nvPicPr>
+        <p:blipFill>
+          <a:blip r:embed="rId6">
+            <a:extLst>
+              <a:ext uri="{28A0092B-C50C-407E-A947-70E740481C1C}">
+                <a14:useLocalDpi xmlns:a14="http://schemas.microsoft.com/office/drawing/2010/main" val="0"/>
+              </a:ext>
+            </a:extLst>
+          </a:blip>
+          <a:stretch>
+            <a:fillRect/>
+          </a:stretch>
+        </p:blipFill>
+        <p:spPr>
+          <a:xfrm>
+            <a:off x="7001199" y="2568253"/>
+            <a:ext cx="1266890" cy="1266890"/>
+          </a:xfrm>
+          <a:prstGeom prst="rect">
+            <a:avLst/>
+          </a:prstGeom>
+        </p:spPr>
+      </p:pic>
+      <p:sp>
+        <p:nvSpPr>
+          <p:cNvPr id="9" name="TextBox 8"/>
+          <p:cNvSpPr txBox="1"/>
+          <p:nvPr/>
+        </p:nvSpPr>
+        <p:spPr>
+          <a:xfrm>
+            <a:off x="2089277" y="4587933"/>
+            <a:ext cx="5352918" cy="954107"/>
+          </a:xfrm>
+          <a:prstGeom prst="rect">
+            <a:avLst/>
+          </a:prstGeom>
+          <a:noFill/>
+        </p:spPr>
+        <p:txBody>
+          <a:bodyPr wrap="square" rtlCol="0">
+            <a:spAutoFit/>
+          </a:bodyPr>
           <a:lstStyle/>
           <a:p>
-            <a:endParaRPr lang="en-GB"/>
-          </a:p>
-        </p:txBody>
-      </p:sp>
-      <p:sp>
-        <p:nvSpPr>
-          <p:cNvPr id="3" name="Content Placeholder 2"/>
-          <p:cNvSpPr>
-            <a:spLocks noGrp="1"/>
-          </p:cNvSpPr>
-          <p:nvPr>
-            <p:ph idx="1"/>
-          </p:nvPr>
-        </p:nvSpPr>
-        <p:spPr/>
-        <p:txBody>
-          <a:bodyPr/>
-          <a:lstStyle/>
-          <a:p>
-            <a:endParaRPr lang="en-GB"/>
+            <a:pPr algn="ctr"/>
+            <a:r>
+              <a:rPr lang="en-US" sz="2800" dirty="0" smtClean="0">
+                <a:solidFill>
+                  <a:srgbClr val="6E2619"/>
+                </a:solidFill>
+                <a:latin typeface="Calibri"/>
+                <a:cs typeface="Calibri"/>
+              </a:rPr>
+              <a:t>http://</a:t>
+            </a:r>
+            <a:r>
+              <a:rPr lang="en-US" sz="2800" dirty="0" err="1" smtClean="0">
+                <a:solidFill>
+                  <a:srgbClr val="6E2619"/>
+                </a:solidFill>
+                <a:latin typeface="Calibri"/>
+                <a:cs typeface="Calibri"/>
+              </a:rPr>
+              <a:t>www.archer.ac.uk</a:t>
+            </a:r>
+            <a:endParaRPr lang="en-US" sz="2800" dirty="0">
+              <a:solidFill>
+                <a:srgbClr val="6E2619"/>
+              </a:solidFill>
+              <a:latin typeface="Calibri"/>
+              <a:cs typeface="Calibri"/>
+            </a:endParaRPr>
+          </a:p>
+          <a:p>
+            <a:pPr algn="ctr"/>
+            <a:r>
+              <a:rPr lang="en-US" sz="2800" dirty="0" err="1" smtClean="0">
+                <a:solidFill>
+                  <a:srgbClr val="6E2619"/>
+                </a:solidFill>
+                <a:latin typeface="Calibri"/>
+                <a:cs typeface="Calibri"/>
+              </a:rPr>
+              <a:t>support@archer.ac.uk</a:t>
+            </a:r>
+            <a:endParaRPr lang="en-US" sz="2800" dirty="0">
+              <a:solidFill>
+                <a:srgbClr val="6E2619"/>
+              </a:solidFill>
+              <a:latin typeface="Calibri"/>
+              <a:cs typeface="Calibri"/>
+            </a:endParaRPr>
           </a:p>
         </p:txBody>
       </p:sp>
     </p:spTree>
     <p:extLst>
       <p:ext uri="{BB962C8B-B14F-4D97-AF65-F5344CB8AC3E}">
-        <p14:creationId xmlns:p14="http://schemas.microsoft.com/office/powerpoint/2010/main" val="2432229689"/>
+        <p14:creationId xmlns:p14="http://schemas.microsoft.com/office/powerpoint/2010/main" val="459171435"/>
       </p:ext>
     </p:extLst>
   </p:cSld>
   <p:clrMapOvr>
     <a:masterClrMapping/>
   </p:clrMapOvr>
+  <p:timing>
+    <p:tnLst>
+      <p:par>
+        <p:cTn id="1" dur="indefinite" restart="never" nodeType="tmRoot"/>
+      </p:par>
+    </p:tnLst>
+  </p:timing>
+</p:sld>
+</file>
+
+<file path=ppt/slides/slide4.xml><?xml version="1.0" encoding="utf-8"?>
+<p:sld xmlns:a="http://schemas.openxmlformats.org/drawingml/2006/main" xmlns:r="http://schemas.openxmlformats.org/officeDocument/2006/relationships" xmlns:p="http://schemas.openxmlformats.org/presentationml/2006/main">
+  <p:cSld>
+    <p:spTree>
+      <p:nvGrpSpPr>
+        <p:cNvPr id="1" name=""/>
+        <p:cNvGrpSpPr/>
+        <p:nvPr/>
+      </p:nvGrpSpPr>
+      <p:grpSpPr>
+        <a:xfrm>
+          <a:off x="0" y="0"/>
+          <a:ext cx="0" cy="0"/>
+          <a:chOff x="0" y="0"/>
+          <a:chExt cx="0" cy="0"/>
+        </a:xfrm>
+      </p:grpSpPr>
+      <p:sp>
+        <p:nvSpPr>
+          <p:cNvPr id="2" name="Title 1"/>
+          <p:cNvSpPr>
+            <a:spLocks noGrp="1"/>
+          </p:cNvSpPr>
+          <p:nvPr>
+            <p:ph type="title"/>
+          </p:nvPr>
+        </p:nvSpPr>
+        <p:spPr/>
+        <p:txBody>
+          <a:bodyPr/>
+          <a:lstStyle/>
+          <a:p>
+            <a:r>
+              <a:rPr lang="en-US" dirty="0" smtClean="0"/>
+              <a:t>Functionality</a:t>
+            </a:r>
+            <a:endParaRPr lang="en-US" dirty="0"/>
+          </a:p>
+        </p:txBody>
+      </p:sp>
+      <p:sp>
+        <p:nvSpPr>
+          <p:cNvPr id="3" name="Content Placeholder 2"/>
+          <p:cNvSpPr>
+            <a:spLocks noGrp="1"/>
+          </p:cNvSpPr>
+          <p:nvPr>
+            <p:ph idx="1"/>
+          </p:nvPr>
+        </p:nvSpPr>
+        <p:spPr/>
+        <p:txBody>
+          <a:bodyPr>
+            <a:normAutofit/>
+          </a:bodyPr>
+          <a:lstStyle/>
+          <a:p>
+            <a:endParaRPr lang="en-US" dirty="0" smtClean="0"/>
+          </a:p>
+        </p:txBody>
+      </p:sp>
+    </p:spTree>
+    <p:extLst>
+      <p:ext uri="{BB962C8B-B14F-4D97-AF65-F5344CB8AC3E}">
+        <p14:creationId xmlns:p14="http://schemas.microsoft.com/office/powerpoint/2010/main" val="2805769124"/>
+      </p:ext>
+    </p:extLst>
+  </p:cSld>
+  <p:clrMapOvr>
+    <a:masterClrMapping/>
+  </p:clrMapOvr>
+  <mc:AlternateContent xmlns:mc="http://schemas.openxmlformats.org/markup-compatibility/2006" xmlns:p14="http://schemas.microsoft.com/office/powerpoint/2010/main">
+    <mc:Choice Requires="p14">
+      <p:transition p14:dur="0"/>
+    </mc:Choice>
+    <mc:Fallback xmlns="">
+      <p:transition xmlns:p14="http://schemas.microsoft.com/office/powerpoint/2010/main"/>
+    </mc:Fallback>
+  </mc:AlternateContent>
+  <p:timing>
+    <p:tnLst>
+      <p:par>
+        <p:cTn id="1" dur="indefinite" restart="never" nodeType="tmRoot"/>
+      </p:par>
+    </p:tnLst>
+  </p:timing>
 </p:sld>
 </file>
 
 <file path=ppt/theme/theme1.xml><?xml version="1.0" encoding="utf-8"?>
+<a:theme xmlns:a="http://schemas.openxmlformats.org/drawingml/2006/main" name="Custom Design">
+  <a:themeElements>
+    <a:clrScheme name="Office">
+      <a:dk1>
+        <a:sysClr val="windowText" lastClr="000000"/>
+      </a:dk1>
+      <a:lt1>
+        <a:sysClr val="window" lastClr="FFFFFF"/>
+      </a:lt1>
+      <a:dk2>
+        <a:srgbClr val="1F497D"/>
+      </a:dk2>
+      <a:lt2>
+        <a:srgbClr val="EEECE1"/>
+      </a:lt2>
+      <a:accent1>
+        <a:srgbClr val="4F81BD"/>
+      </a:accent1>
+      <a:accent2>
+        <a:srgbClr val="C0504D"/>
+      </a:accent2>
+      <a:accent3>
+        <a:srgbClr val="9BBB59"/>
+      </a:accent3>
+      <a:accent4>
+        <a:srgbClr val="8064A2"/>
+      </a:accent4>
+      <a:accent5>
+        <a:srgbClr val="4BACC6"/>
+      </a:accent5>
+      <a:accent6>
+        <a:srgbClr val="F79646"/>
+      </a:accent6>
+      <a:hlink>
+        <a:srgbClr val="0000FF"/>
+      </a:hlink>
+      <a:folHlink>
+        <a:srgbClr val="800080"/>
+      </a:folHlink>
+    </a:clrScheme>
+    <a:fontScheme name="Office">
+      <a:majorFont>
+        <a:latin typeface="Calibri"/>
+        <a:ea typeface=""/>
+        <a:cs typeface=""/>
+        <a:font script="Jpan" typeface="ＭＳ Ｐゴシック"/>
+        <a:font script="Hang" typeface="맑은 고딕"/>
+        <a:font script="Hans" typeface="宋体"/>
+        <a:font script="Hant" typeface="新細明體"/>
+        <a:font script="Arab" typeface="Times New Roman"/>
+        <a:font script="Hebr" typeface="Times New Roman"/>
+        <a:font script="Thai" typeface="Angsana New"/>
+        <a:font script="Ethi" typeface="Nyala"/>
+        <a:font script="Beng" typeface="Vrinda"/>
+        <a:font script="Gujr" typeface="Shruti"/>
+        <a:font script="Khmr" typeface="MoolBoran"/>
+        <a:font script="Knda" typeface="Tunga"/>
+        <a:font script="Guru" typeface="Raavi"/>
+        <a:font script="Cans" typeface="Euphemia"/>
+        <a:font script="Cher" typeface="Plantagenet Cherokee"/>
+        <a:font script="Yiii" typeface="Microsoft Yi Baiti"/>
+        <a:font script="Tibt" typeface="Microsoft Himalaya"/>
+        <a:font script="Thaa" typeface="MV Boli"/>
+        <a:font script="Deva" typeface="Mangal"/>
+        <a:font script="Telu" typeface="Gautami"/>
+        <a:font script="Taml" typeface="Latha"/>
+        <a:font script="Syrc" typeface="Estrangelo Edessa"/>
+        <a:font script="Orya" typeface="Kalinga"/>
+        <a:font script="Mlym" typeface="Kartika"/>
+        <a:font script="Laoo" typeface="DokChampa"/>
+        <a:font script="Sinh" typeface="Iskoola Pota"/>
+        <a:font script="Mong" typeface="Mongolian Baiti"/>
+        <a:font script="Viet" typeface="Times New Roman"/>
+        <a:font script="Uigh" typeface="Microsoft Uighur"/>
+        <a:font script="Geor" typeface="Sylfaen"/>
+      </a:majorFont>
+      <a:minorFont>
+        <a:latin typeface="Calibri"/>
+        <a:ea typeface=""/>
+        <a:cs typeface=""/>
+        <a:font script="Jpan" typeface="ＭＳ Ｐゴシック"/>
+        <a:font script="Hang" typeface="맑은 고딕"/>
+        <a:font script="Hans" typeface="宋体"/>
+        <a:font script="Hant" typeface="新細明體"/>
+        <a:font script="Arab" typeface="Arial"/>
+        <a:font script="Hebr" typeface="Arial"/>
+        <a:font script="Thai" typeface="Cordia New"/>
+        <a:font script="Ethi" typeface="Nyala"/>
+        <a:font script="Beng" typeface="Vrinda"/>
+        <a:font script="Gujr" typeface="Shruti"/>
+        <a:font script="Khmr" typeface="DaunPenh"/>
+        <a:font script="Knda" typeface="Tunga"/>
+        <a:font script="Guru" typeface="Raavi"/>
+        <a:font script="Cans" typeface="Euphemia"/>
+        <a:font script="Cher" typeface="Plantagenet Cherokee"/>
+        <a:font script="Yiii" typeface="Microsoft Yi Baiti"/>
+        <a:font script="Tibt" typeface="Microsoft Himalaya"/>
+        <a:font script="Thaa" typeface="MV Boli"/>
+        <a:font script="Deva" typeface="Mangal"/>
+        <a:font script="Telu" typeface="Gautami"/>
+        <a:font script="Taml" typeface="Latha"/>
+        <a:font script="Syrc" typeface="Estrangelo Edessa"/>
+        <a:font script="Orya" typeface="Kalinga"/>
+        <a:font script="Mlym" typeface="Kartika"/>
+        <a:font script="Laoo" typeface="DokChampa"/>
+        <a:font script="Sinh" typeface="Iskoola Pota"/>
+        <a:font script="Mong" typeface="Mongolian Baiti"/>
+        <a:font script="Viet" typeface="Arial"/>
+        <a:font script="Uigh" typeface="Microsoft Uighur"/>
+        <a:font script="Geor" typeface="Sylfaen"/>
+      </a:minorFont>
+    </a:fontScheme>
+    <a:fmtScheme name="Office">
+      <a:fillStyleLst>
+        <a:solidFill>
+          <a:schemeClr val="phClr"/>
+        </a:solidFill>
+        <a:gradFill rotWithShape="1">
+          <a:gsLst>
+            <a:gs pos="0">
+              <a:schemeClr val="phClr">
+                <a:tint val="50000"/>
+                <a:satMod val="300000"/>
+              </a:schemeClr>
+            </a:gs>
+            <a:gs pos="35000">
+              <a:schemeClr val="phClr">
+                <a:tint val="37000"/>
+                <a:satMod val="300000"/>
+              </a:schemeClr>
+            </a:gs>
+            <a:gs pos="100000">
+              <a:schemeClr val="phClr">
+                <a:tint val="15000"/>
+                <a:satMod val="350000"/>
+              </a:schemeClr>
+            </a:gs>
+          </a:gsLst>
+          <a:lin ang="16200000" scaled="1"/>
+        </a:gradFill>
+        <a:gradFill rotWithShape="1">
+          <a:gsLst>
+            <a:gs pos="0">
+              <a:schemeClr val="phClr">
+                <a:tint val="100000"/>
+                <a:shade val="100000"/>
+                <a:satMod val="130000"/>
+              </a:schemeClr>
+            </a:gs>
+            <a:gs pos="100000">
+              <a:schemeClr val="phClr">
+                <a:tint val="50000"/>
+                <a:shade val="100000"/>
+                <a:satMod val="350000"/>
+              </a:schemeClr>
+            </a:gs>
+          </a:gsLst>
+          <a:lin ang="16200000" scaled="0"/>
+        </a:gradFill>
+      </a:fillStyleLst>
+      <a:lnStyleLst>
+        <a:ln w="9525" cap="flat" cmpd="sng" algn="ctr">
+          <a:solidFill>
+            <a:schemeClr val="phClr">
+              <a:shade val="95000"/>
+              <a:satMod val="105000"/>
+            </a:schemeClr>
+          </a:solidFill>
+          <a:prstDash val="solid"/>
+        </a:ln>
+        <a:ln w="25400" cap="flat" cmpd="sng" algn="ctr">
+          <a:solidFill>
+            <a:schemeClr val="phClr"/>
+          </a:solidFill>
+          <a:prstDash val="solid"/>
+        </a:ln>
+        <a:ln w="38100" cap="flat" cmpd="sng" algn="ctr">
+          <a:solidFill>
+            <a:schemeClr val="phClr"/>
+          </a:solidFill>
+          <a:prstDash val="solid"/>
+        </a:ln>
+      </a:lnStyleLst>
+      <a:effectStyleLst>
+        <a:effectStyle>
+          <a:effectLst>
+            <a:outerShdw blurRad="40000" dist="20000" dir="5400000" rotWithShape="0">
+              <a:srgbClr val="000000">
+                <a:alpha val="38000"/>
+              </a:srgbClr>
+            </a:outerShdw>
+          </a:effectLst>
+        </a:effectStyle>
+        <a:effectStyle>
+          <a:effectLst>
+            <a:outerShdw blurRad="40000" dist="23000" dir="5400000" rotWithShape="0">
+              <a:srgbClr val="000000">
+                <a:alpha val="35000"/>
+              </a:srgbClr>
+            </a:outerShdw>
+          </a:effectLst>
+        </a:effectStyle>
+        <a:effectStyle>
+          <a:effectLst>
+            <a:outerShdw blurRad="40000" dist="23000" dir="5400000" rotWithShape="0">
+              <a:srgbClr val="000000">
+                <a:alpha val="35000"/>
+              </a:srgbClr>
+            </a:outerShdw>
+          </a:effectLst>
+          <a:scene3d>
+            <a:camera prst="orthographicFront">
+              <a:rot lat="0" lon="0" rev="0"/>
+            </a:camera>
+            <a:lightRig rig="threePt" dir="t">
+              <a:rot lat="0" lon="0" rev="1200000"/>
+            </a:lightRig>
+          </a:scene3d>
+          <a:sp3d>
+            <a:bevelT w="63500" h="25400"/>
+          </a:sp3d>
+        </a:effectStyle>
+      </a:effectStyleLst>
+      <a:bgFillStyleLst>
+        <a:solidFill>
+          <a:schemeClr val="phClr"/>
+        </a:solidFill>
+        <a:gradFill rotWithShape="1">
+          <a:gsLst>
+            <a:gs pos="0">
+              <a:schemeClr val="phClr">
+                <a:tint val="40000"/>
+                <a:satMod val="350000"/>
+              </a:schemeClr>
+            </a:gs>
+            <a:gs pos="40000">
+              <a:schemeClr val="phClr">
+                <a:tint val="45000"/>
+                <a:shade val="99000"/>
+                <a:satMod val="350000"/>
+              </a:schemeClr>
+            </a:gs>
+            <a:gs pos="100000">
+              <a:schemeClr val="phClr">
+                <a:shade val="20000"/>
+                <a:satMod val="255000"/>
+              </a:schemeClr>
+            </a:gs>
+          </a:gsLst>
+          <a:path path="circle">
+            <a:fillToRect l="50000" t="-80000" r="50000" b="180000"/>
+          </a:path>
+        </a:gradFill>
+        <a:gradFill rotWithShape="1">
+          <a:gsLst>
+            <a:gs pos="0">
+              <a:schemeClr val="phClr">
+                <a:tint val="80000"/>
+                <a:satMod val="300000"/>
+              </a:schemeClr>
+            </a:gs>
+            <a:gs pos="100000">
+              <a:schemeClr val="phClr">
+                <a:shade val="30000"/>
+                <a:satMod val="200000"/>
+              </a:schemeClr>
+            </a:gs>
+          </a:gsLst>
+          <a:path path="circle">
+            <a:fillToRect l="50000" t="50000" r="50000" b="50000"/>
+          </a:path>
+        </a:gradFill>
+      </a:bgFillStyleLst>
+    </a:fmtScheme>
+  </a:themeElements>
+  <a:objectDefaults>
+    <a:spDef>
+      <a:spPr/>
+      <a:bodyPr/>
+      <a:lstStyle/>
+      <a:style>
+        <a:lnRef idx="1">
+          <a:schemeClr val="accent1"/>
+        </a:lnRef>
+        <a:fillRef idx="3">
+          <a:schemeClr val="accent1"/>
+        </a:fillRef>
+        <a:effectRef idx="2">
+          <a:schemeClr val="accent1"/>
+        </a:effectRef>
+        <a:fontRef idx="minor">
+          <a:schemeClr val="lt1"/>
+        </a:fontRef>
+      </a:style>
+    </a:spDef>
+    <a:lnDef>
+      <a:spPr/>
+      <a:bodyPr/>
+      <a:lstStyle/>
+      <a:style>
+        <a:lnRef idx="2">
+          <a:schemeClr val="accent1"/>
+        </a:lnRef>
+        <a:fillRef idx="0">
+          <a:schemeClr val="accent1"/>
+        </a:fillRef>
+        <a:effectRef idx="1">
+          <a:schemeClr val="accent1"/>
+        </a:effectRef>
+        <a:fontRef idx="minor">
+          <a:schemeClr val="tx1"/>
+        </a:fontRef>
+      </a:style>
+    </a:lnDef>
+  </a:objectDefaults>
+  <a:extraClrSchemeLst/>
+</a:theme>
+</file>
+
+<file path=ppt/theme/theme2.xml><?xml version="1.0" encoding="utf-8"?>
 <a:theme xmlns:a="http://schemas.openxmlformats.org/drawingml/2006/main" name="epcc_minimal">
   <a:themeElements>
     <a:clrScheme name="Clarity">
@@ -3832,7 +6419,7 @@
 </a:theme>
 </file>
 
-<file path=ppt/theme/theme2.xml><?xml version="1.0" encoding="utf-8"?>
+<file path=ppt/theme/theme3.xml><?xml version="1.0" encoding="utf-8"?>
 <a:theme xmlns:a="http://schemas.openxmlformats.org/drawingml/2006/main" name="Office Theme">
   <a:themeElements>
     <a:clrScheme name="Office">
@@ -4150,4 +6737,289 @@
   </a:objectDefaults>
   <a:extraClrSchemeLst/>
 </a:theme>
+</file>
+
+<file path=ppt/theme/theme4.xml><?xml version="1.0" encoding="utf-8"?>
+<a:theme xmlns:a="http://schemas.openxmlformats.org/drawingml/2006/main" name="Office Theme">
+  <a:themeElements>
+    <a:clrScheme name="Office">
+      <a:dk1>
+        <a:sysClr val="windowText" lastClr="000000"/>
+      </a:dk1>
+      <a:lt1>
+        <a:sysClr val="window" lastClr="FFFFFF"/>
+      </a:lt1>
+      <a:dk2>
+        <a:srgbClr val="1F497D"/>
+      </a:dk2>
+      <a:lt2>
+        <a:srgbClr val="EEECE1"/>
+      </a:lt2>
+      <a:accent1>
+        <a:srgbClr val="4F81BD"/>
+      </a:accent1>
+      <a:accent2>
+        <a:srgbClr val="C0504D"/>
+      </a:accent2>
+      <a:accent3>
+        <a:srgbClr val="9BBB59"/>
+      </a:accent3>
+      <a:accent4>
+        <a:srgbClr val="8064A2"/>
+      </a:accent4>
+      <a:accent5>
+        <a:srgbClr val="4BACC6"/>
+      </a:accent5>
+      <a:accent6>
+        <a:srgbClr val="F79646"/>
+      </a:accent6>
+      <a:hlink>
+        <a:srgbClr val="0000FF"/>
+      </a:hlink>
+      <a:folHlink>
+        <a:srgbClr val="800080"/>
+      </a:folHlink>
+    </a:clrScheme>
+    <a:fontScheme name="Office">
+      <a:majorFont>
+        <a:latin typeface="Calibri"/>
+        <a:ea typeface=""/>
+        <a:cs typeface=""/>
+        <a:font script="Jpan" typeface="ＭＳ Ｐゴシック"/>
+        <a:font script="Hang" typeface="맑은 고딕"/>
+        <a:font script="Hans" typeface="宋体"/>
+        <a:font script="Hant" typeface="新細明體"/>
+        <a:font script="Arab" typeface="Times New Roman"/>
+        <a:font script="Hebr" typeface="Times New Roman"/>
+        <a:font script="Thai" typeface="Angsana New"/>
+        <a:font script="Ethi" typeface="Nyala"/>
+        <a:font script="Beng" typeface="Vrinda"/>
+        <a:font script="Gujr" typeface="Shruti"/>
+        <a:font script="Khmr" typeface="MoolBoran"/>
+        <a:font script="Knda" typeface="Tunga"/>
+        <a:font script="Guru" typeface="Raavi"/>
+        <a:font script="Cans" typeface="Euphemia"/>
+        <a:font script="Cher" typeface="Plantagenet Cherokee"/>
+        <a:font script="Yiii" typeface="Microsoft Yi Baiti"/>
+        <a:font script="Tibt" typeface="Microsoft Himalaya"/>
+        <a:font script="Thaa" typeface="MV Boli"/>
+        <a:font script="Deva" typeface="Mangal"/>
+        <a:font script="Telu" typeface="Gautami"/>
+        <a:font script="Taml" typeface="Latha"/>
+        <a:font script="Syrc" typeface="Estrangelo Edessa"/>
+        <a:font script="Orya" typeface="Kalinga"/>
+        <a:font script="Mlym" typeface="Kartika"/>
+        <a:font script="Laoo" typeface="DokChampa"/>
+        <a:font script="Sinh" typeface="Iskoola Pota"/>
+        <a:font script="Mong" typeface="Mongolian Baiti"/>
+        <a:font script="Viet" typeface="Times New Roman"/>
+        <a:font script="Uigh" typeface="Microsoft Uighur"/>
+        <a:font script="Geor" typeface="Sylfaen"/>
+      </a:majorFont>
+      <a:minorFont>
+        <a:latin typeface="Calibri"/>
+        <a:ea typeface=""/>
+        <a:cs typeface=""/>
+        <a:font script="Jpan" typeface="ＭＳ Ｐゴシック"/>
+        <a:font script="Hang" typeface="맑은 고딕"/>
+        <a:font script="Hans" typeface="宋体"/>
+        <a:font script="Hant" typeface="新細明體"/>
+        <a:font script="Arab" typeface="Arial"/>
+        <a:font script="Hebr" typeface="Arial"/>
+        <a:font script="Thai" typeface="Cordia New"/>
+        <a:font script="Ethi" typeface="Nyala"/>
+        <a:font script="Beng" typeface="Vrinda"/>
+        <a:font script="Gujr" typeface="Shruti"/>
+        <a:font script="Khmr" typeface="DaunPenh"/>
+        <a:font script="Knda" typeface="Tunga"/>
+        <a:font script="Guru" typeface="Raavi"/>
+        <a:font script="Cans" typeface="Euphemia"/>
+        <a:font script="Cher" typeface="Plantagenet Cherokee"/>
+        <a:font script="Yiii" typeface="Microsoft Yi Baiti"/>
+        <a:font script="Tibt" typeface="Microsoft Himalaya"/>
+        <a:font script="Thaa" typeface="MV Boli"/>
+        <a:font script="Deva" typeface="Mangal"/>
+        <a:font script="Telu" typeface="Gautami"/>
+        <a:font script="Taml" typeface="Latha"/>
+        <a:font script="Syrc" typeface="Estrangelo Edessa"/>
+        <a:font script="Orya" typeface="Kalinga"/>
+        <a:font script="Mlym" typeface="Kartika"/>
+        <a:font script="Laoo" typeface="DokChampa"/>
+        <a:font script="Sinh" typeface="Iskoola Pota"/>
+        <a:font script="Mong" typeface="Mongolian Baiti"/>
+        <a:font script="Viet" typeface="Arial"/>
+        <a:font script="Uigh" typeface="Microsoft Uighur"/>
+        <a:font script="Geor" typeface="Sylfaen"/>
+      </a:minorFont>
+    </a:fontScheme>
+    <a:fmtScheme name="Office">
+      <a:fillStyleLst>
+        <a:solidFill>
+          <a:schemeClr val="phClr"/>
+        </a:solidFill>
+        <a:gradFill rotWithShape="1">
+          <a:gsLst>
+            <a:gs pos="0">
+              <a:schemeClr val="phClr">
+                <a:tint val="50000"/>
+                <a:satMod val="300000"/>
+              </a:schemeClr>
+            </a:gs>
+            <a:gs pos="35000">
+              <a:schemeClr val="phClr">
+                <a:tint val="37000"/>
+                <a:satMod val="300000"/>
+              </a:schemeClr>
+            </a:gs>
+            <a:gs pos="100000">
+              <a:schemeClr val="phClr">
+                <a:tint val="15000"/>
+                <a:satMod val="350000"/>
+              </a:schemeClr>
+            </a:gs>
+          </a:gsLst>
+          <a:lin ang="16200000" scaled="1"/>
+        </a:gradFill>
+        <a:gradFill rotWithShape="1">
+          <a:gsLst>
+            <a:gs pos="0">
+              <a:schemeClr val="phClr">
+                <a:shade val="51000"/>
+                <a:satMod val="130000"/>
+              </a:schemeClr>
+            </a:gs>
+            <a:gs pos="80000">
+              <a:schemeClr val="phClr">
+                <a:shade val="93000"/>
+                <a:satMod val="130000"/>
+              </a:schemeClr>
+            </a:gs>
+            <a:gs pos="100000">
+              <a:schemeClr val="phClr">
+                <a:shade val="94000"/>
+                <a:satMod val="135000"/>
+              </a:schemeClr>
+            </a:gs>
+          </a:gsLst>
+          <a:lin ang="16200000" scaled="0"/>
+        </a:gradFill>
+      </a:fillStyleLst>
+      <a:lnStyleLst>
+        <a:ln w="9525" cap="flat" cmpd="sng" algn="ctr">
+          <a:solidFill>
+            <a:schemeClr val="phClr">
+              <a:shade val="95000"/>
+              <a:satMod val="105000"/>
+            </a:schemeClr>
+          </a:solidFill>
+          <a:prstDash val="solid"/>
+        </a:ln>
+        <a:ln w="25400" cap="flat" cmpd="sng" algn="ctr">
+          <a:solidFill>
+            <a:schemeClr val="phClr"/>
+          </a:solidFill>
+          <a:prstDash val="solid"/>
+        </a:ln>
+        <a:ln w="38100" cap="flat" cmpd="sng" algn="ctr">
+          <a:solidFill>
+            <a:schemeClr val="phClr"/>
+          </a:solidFill>
+          <a:prstDash val="solid"/>
+        </a:ln>
+      </a:lnStyleLst>
+      <a:effectStyleLst>
+        <a:effectStyle>
+          <a:effectLst>
+            <a:outerShdw blurRad="40000" dist="20000" dir="5400000" rotWithShape="0">
+              <a:srgbClr val="000000">
+                <a:alpha val="38000"/>
+              </a:srgbClr>
+            </a:outerShdw>
+          </a:effectLst>
+        </a:effectStyle>
+        <a:effectStyle>
+          <a:effectLst>
+            <a:outerShdw blurRad="40000" dist="23000" dir="5400000" rotWithShape="0">
+              <a:srgbClr val="000000">
+                <a:alpha val="35000"/>
+              </a:srgbClr>
+            </a:outerShdw>
+          </a:effectLst>
+        </a:effectStyle>
+        <a:effectStyle>
+          <a:effectLst>
+            <a:outerShdw blurRad="40000" dist="23000" dir="5400000" rotWithShape="0">
+              <a:srgbClr val="000000">
+                <a:alpha val="35000"/>
+              </a:srgbClr>
+            </a:outerShdw>
+          </a:effectLst>
+          <a:scene3d>
+            <a:camera prst="orthographicFront">
+              <a:rot lat="0" lon="0" rev="0"/>
+            </a:camera>
+            <a:lightRig rig="threePt" dir="t">
+              <a:rot lat="0" lon="0" rev="1200000"/>
+            </a:lightRig>
+          </a:scene3d>
+          <a:sp3d>
+            <a:bevelT w="63500" h="25400"/>
+          </a:sp3d>
+        </a:effectStyle>
+      </a:effectStyleLst>
+      <a:bgFillStyleLst>
+        <a:solidFill>
+          <a:schemeClr val="phClr"/>
+        </a:solidFill>
+        <a:gradFill rotWithShape="1">
+          <a:gsLst>
+            <a:gs pos="0">
+              <a:schemeClr val="phClr">
+                <a:tint val="40000"/>
+                <a:satMod val="350000"/>
+              </a:schemeClr>
+            </a:gs>
+            <a:gs pos="40000">
+              <a:schemeClr val="phClr">
+                <a:tint val="45000"/>
+                <a:shade val="99000"/>
+                <a:satMod val="350000"/>
+              </a:schemeClr>
+            </a:gs>
+            <a:gs pos="100000">
+              <a:schemeClr val="phClr">
+                <a:shade val="20000"/>
+                <a:satMod val="255000"/>
+              </a:schemeClr>
+            </a:gs>
+          </a:gsLst>
+          <a:path path="circle">
+            <a:fillToRect l="50000" t="-80000" r="50000" b="180000"/>
+          </a:path>
+        </a:gradFill>
+        <a:gradFill rotWithShape="1">
+          <a:gsLst>
+            <a:gs pos="0">
+              <a:schemeClr val="phClr">
+                <a:tint val="80000"/>
+                <a:satMod val="300000"/>
+              </a:schemeClr>
+            </a:gs>
+            <a:gs pos="100000">
+              <a:schemeClr val="phClr">
+                <a:shade val="30000"/>
+                <a:satMod val="200000"/>
+              </a:schemeClr>
+            </a:gs>
+          </a:gsLst>
+          <a:path path="circle">
+            <a:fillToRect l="50000" t="50000" r="50000" b="50000"/>
+          </a:path>
+        </a:gradFill>
+      </a:bgFillStyleLst>
+    </a:fmtScheme>
+  </a:themeElements>
+  <a:objectDefaults/>
+  <a:extraClrSchemeLst/>
+</a:theme>
 </file>